--- a/Creating_Images.pptx
+++ b/Creating_Images.pptx
@@ -5320,7 +5320,7 @@
             </p:nvSpPr>
             <p:spPr>
               <a:xfrm>
-                <a:off x="4734385" y="303279"/>
+                <a:off x="5301809" y="320212"/>
                 <a:ext cx="6096000" cy="8418908"/>
               </a:xfrm>
               <a:prstGeom prst="rect">
@@ -7391,7 +7391,7 @@
             </p:nvSpPr>
             <p:spPr>
               <a:xfrm>
-                <a:off x="4734385" y="303279"/>
+                <a:off x="5301809" y="320212"/>
                 <a:ext cx="6096000" cy="8418908"/>
               </a:xfrm>
               <a:prstGeom prst="rect">
@@ -7400,7 +7400,7 @@
               <a:blipFill>
                 <a:blip r:embed="rId2"/>
                 <a:stretch>
-                  <a:fillRect t="-9955"/>
+                  <a:fillRect t="-9940"/>
                 </a:stretch>
               </a:blipFill>
             </p:spPr>
@@ -7419,6 +7419,47 @@
           </p:sp>
         </mc:Fallback>
       </mc:AlternateContent>
+      <p:cxnSp>
+        <p:nvCxnSpPr>
+          <p:cNvPr id="10" name="Straight Arrow Connector 9">
+            <a:extLst>
+              <a:ext uri="{FF2B5EF4-FFF2-40B4-BE49-F238E27FC236}">
+                <a16:creationId xmlns:a16="http://schemas.microsoft.com/office/drawing/2014/main" id="{2E6A22AA-EF9C-2645-BCC9-F70326624008}"/>
+              </a:ext>
+            </a:extLst>
+          </p:cNvPr>
+          <p:cNvCxnSpPr>
+            <a:cxnSpLocks/>
+          </p:cNvCxnSpPr>
+          <p:nvPr/>
+        </p:nvCxnSpPr>
+        <p:spPr>
+          <a:xfrm>
+            <a:off x="4734385" y="3429000"/>
+            <a:ext cx="1054940" cy="0"/>
+          </a:xfrm>
+          <a:prstGeom prst="straightConnector1">
+            <a:avLst/>
+          </a:prstGeom>
+          <a:ln w="76200">
+            <a:tailEnd type="triangle"/>
+          </a:ln>
+        </p:spPr>
+        <p:style>
+          <a:lnRef idx="1">
+            <a:schemeClr val="accent1"/>
+          </a:lnRef>
+          <a:fillRef idx="0">
+            <a:schemeClr val="accent1"/>
+          </a:fillRef>
+          <a:effectRef idx="0">
+            <a:schemeClr val="accent1"/>
+          </a:effectRef>
+          <a:fontRef idx="minor">
+            <a:schemeClr val="tx1"/>
+          </a:fontRef>
+        </p:style>
+      </p:cxnSp>
     </p:spTree>
     <p:extLst>
       <p:ext uri="{BB962C8B-B14F-4D97-AF65-F5344CB8AC3E}">

--- a/Creating_Images.pptx
+++ b/Creating_Images.pptx
@@ -262,7 +262,7 @@
           <a:p>
             <a:fld id="{F45BE4C8-68BF-6A41-A4B9-4F62114F438C}" type="datetimeFigureOut">
               <a:rPr lang="en-US" smtClean="0"/>
-              <a:t>11/28/21</a:t>
+              <a:t>11/29/21</a:t>
             </a:fld>
             <a:endParaRPr lang="en-US"/>
           </a:p>
@@ -460,7 +460,7 @@
           <a:p>
             <a:fld id="{F45BE4C8-68BF-6A41-A4B9-4F62114F438C}" type="datetimeFigureOut">
               <a:rPr lang="en-US" smtClean="0"/>
-              <a:t>11/28/21</a:t>
+              <a:t>11/29/21</a:t>
             </a:fld>
             <a:endParaRPr lang="en-US"/>
           </a:p>
@@ -668,7 +668,7 @@
           <a:p>
             <a:fld id="{F45BE4C8-68BF-6A41-A4B9-4F62114F438C}" type="datetimeFigureOut">
               <a:rPr lang="en-US" smtClean="0"/>
-              <a:t>11/28/21</a:t>
+              <a:t>11/29/21</a:t>
             </a:fld>
             <a:endParaRPr lang="en-US"/>
           </a:p>
@@ -866,7 +866,7 @@
           <a:p>
             <a:fld id="{F45BE4C8-68BF-6A41-A4B9-4F62114F438C}" type="datetimeFigureOut">
               <a:rPr lang="en-US" smtClean="0"/>
-              <a:t>11/28/21</a:t>
+              <a:t>11/29/21</a:t>
             </a:fld>
             <a:endParaRPr lang="en-US"/>
           </a:p>
@@ -1141,7 +1141,7 @@
           <a:p>
             <a:fld id="{F45BE4C8-68BF-6A41-A4B9-4F62114F438C}" type="datetimeFigureOut">
               <a:rPr lang="en-US" smtClean="0"/>
-              <a:t>11/28/21</a:t>
+              <a:t>11/29/21</a:t>
             </a:fld>
             <a:endParaRPr lang="en-US"/>
           </a:p>
@@ -1406,7 +1406,7 @@
           <a:p>
             <a:fld id="{F45BE4C8-68BF-6A41-A4B9-4F62114F438C}" type="datetimeFigureOut">
               <a:rPr lang="en-US" smtClean="0"/>
-              <a:t>11/28/21</a:t>
+              <a:t>11/29/21</a:t>
             </a:fld>
             <a:endParaRPr lang="en-US"/>
           </a:p>
@@ -1818,7 +1818,7 @@
           <a:p>
             <a:fld id="{F45BE4C8-68BF-6A41-A4B9-4F62114F438C}" type="datetimeFigureOut">
               <a:rPr lang="en-US" smtClean="0"/>
-              <a:t>11/28/21</a:t>
+              <a:t>11/29/21</a:t>
             </a:fld>
             <a:endParaRPr lang="en-US"/>
           </a:p>
@@ -1959,7 +1959,7 @@
           <a:p>
             <a:fld id="{F45BE4C8-68BF-6A41-A4B9-4F62114F438C}" type="datetimeFigureOut">
               <a:rPr lang="en-US" smtClean="0"/>
-              <a:t>11/28/21</a:t>
+              <a:t>11/29/21</a:t>
             </a:fld>
             <a:endParaRPr lang="en-US"/>
           </a:p>
@@ -2072,7 +2072,7 @@
           <a:p>
             <a:fld id="{F45BE4C8-68BF-6A41-A4B9-4F62114F438C}" type="datetimeFigureOut">
               <a:rPr lang="en-US" smtClean="0"/>
-              <a:t>11/28/21</a:t>
+              <a:t>11/29/21</a:t>
             </a:fld>
             <a:endParaRPr lang="en-US"/>
           </a:p>
@@ -2383,7 +2383,7 @@
           <a:p>
             <a:fld id="{F45BE4C8-68BF-6A41-A4B9-4F62114F438C}" type="datetimeFigureOut">
               <a:rPr lang="en-US" smtClean="0"/>
-              <a:t>11/28/21</a:t>
+              <a:t>11/29/21</a:t>
             </a:fld>
             <a:endParaRPr lang="en-US"/>
           </a:p>
@@ -2671,7 +2671,7 @@
           <a:p>
             <a:fld id="{F45BE4C8-68BF-6A41-A4B9-4F62114F438C}" type="datetimeFigureOut">
               <a:rPr lang="en-US" smtClean="0"/>
-              <a:t>11/28/21</a:t>
+              <a:t>11/29/21</a:t>
             </a:fld>
             <a:endParaRPr lang="en-US"/>
           </a:p>
@@ -2912,7 +2912,7 @@
           <a:p>
             <a:fld id="{F45BE4C8-68BF-6A41-A4B9-4F62114F438C}" type="datetimeFigureOut">
               <a:rPr lang="en-US" smtClean="0"/>
-              <a:t>11/28/21</a:t>
+              <a:t>11/29/21</a:t>
             </a:fld>
             <a:endParaRPr lang="en-US"/>
           </a:p>
@@ -5320,15 +5320,15 @@
             </p:nvSpPr>
             <p:spPr>
               <a:xfrm>
-                <a:off x="5301809" y="320212"/>
-                <a:ext cx="6096000" cy="8418908"/>
+                <a:off x="6319614" y="0"/>
+                <a:ext cx="4726553" cy="6982361"/>
               </a:xfrm>
               <a:prstGeom prst="rect">
                 <a:avLst/>
               </a:prstGeom>
             </p:spPr>
             <p:txBody>
-              <a:bodyPr>
+              <a:bodyPr wrap="square">
                 <a:spAutoFit/>
               </a:bodyPr>
               <a:lstStyle/>
@@ -5342,20 +5342,12 @@
                       <m:func>
                         <m:funcPr>
                           <m:ctrlPr>
-                            <a:rPr lang="en-US" b="1" i="1">
-                              <a:latin typeface="Cambria Math" panose="02040503050406030204" pitchFamily="18" charset="0"/>
-                              <a:ea typeface="Times New Roman" panose="02020603050405020304" pitchFamily="18" charset="0"/>
-                              <a:cs typeface="Times New Roman" panose="02020603050405020304" pitchFamily="18" charset="0"/>
-                            </a:rPr>
+                            <a:rPr lang="en-US" b="1" i="1"/>
                           </m:ctrlPr>
                         </m:funcPr>
                         <m:fName>
                           <m:r>
-                            <a:rPr lang="en-US" b="1" i="1">
-                              <a:latin typeface="Cambria Math" panose="02040503050406030204" pitchFamily="18" charset="0"/>
-                              <a:ea typeface="Times New Roman" panose="02020603050405020304" pitchFamily="18" charset="0"/>
-                              <a:cs typeface="Times New Roman" panose="02020603050405020304" pitchFamily="18" charset="0"/>
-                            </a:rPr>
+                            <a:rPr lang="en-US" b="1" i="1"/>
                             <m:t>𝒎𝒂𝒙</m:t>
                           </m:r>
                         </m:fName>
@@ -5364,46 +5356,26 @@
                             <m:naryPr>
                               <m:chr m:val="∑"/>
                               <m:ctrlPr>
-                                <a:rPr lang="en-US" b="1" i="1">
-                                  <a:latin typeface="Cambria Math" panose="02040503050406030204" pitchFamily="18" charset="0"/>
-                                  <a:ea typeface="Times New Roman" panose="02020603050405020304" pitchFamily="18" charset="0"/>
-                                  <a:cs typeface="Times New Roman" panose="02020603050405020304" pitchFamily="18" charset="0"/>
-                                </a:rPr>
+                                <a:rPr lang="en-US" b="1" i="1"/>
                               </m:ctrlPr>
                             </m:naryPr>
                             <m:sub>
                               <m:r>
-                                <a:rPr lang="en-US" b="1" i="1">
-                                  <a:latin typeface="Cambria Math" panose="02040503050406030204" pitchFamily="18" charset="0"/>
-                                  <a:ea typeface="Times New Roman" panose="02020603050405020304" pitchFamily="18" charset="0"/>
-                                  <a:cs typeface="Times New Roman" panose="02020603050405020304" pitchFamily="18" charset="0"/>
-                                </a:rPr>
+                                <a:rPr lang="en-US" b="1" i="1"/>
                                 <m:t>𝒊</m:t>
                               </m:r>
                               <m:r>
-                                <a:rPr lang="en-US" b="1" i="1">
-                                  <a:latin typeface="Cambria Math" panose="02040503050406030204" pitchFamily="18" charset="0"/>
-                                  <a:ea typeface="Times New Roman" panose="02020603050405020304" pitchFamily="18" charset="0"/>
-                                  <a:cs typeface="Times New Roman" panose="02020603050405020304" pitchFamily="18" charset="0"/>
-                                </a:rPr>
+                                <a:rPr lang="en-US" b="1" i="1"/>
                                 <m:t>=</m:t>
                               </m:r>
                               <m:r>
-                                <a:rPr lang="en-US" b="1" i="1">
-                                  <a:latin typeface="Cambria Math" panose="02040503050406030204" pitchFamily="18" charset="0"/>
-                                  <a:ea typeface="Times New Roman" panose="02020603050405020304" pitchFamily="18" charset="0"/>
-                                  <a:cs typeface="Times New Roman" panose="02020603050405020304" pitchFamily="18" charset="0"/>
-                                </a:rPr>
+                                <a:rPr lang="en-US" b="1" i="1"/>
                                 <m:t>𝟏</m:t>
                               </m:r>
                             </m:sub>
                             <m:sup>
                               <m:r>
-                                <a:rPr lang="en-US" b="1" i="1">
-                                  <a:latin typeface="Cambria Math" panose="02040503050406030204" pitchFamily="18" charset="0"/>
-                                  <a:ea typeface="Times New Roman" panose="02020603050405020304" pitchFamily="18" charset="0"/>
-                                  <a:cs typeface="Times New Roman" panose="02020603050405020304" pitchFamily="18" charset="0"/>
-                                </a:rPr>
+                                <a:rPr lang="en-US" b="1" i="1"/>
                                 <m:t>𝑷</m:t>
                               </m:r>
                             </m:sup>
@@ -5412,49 +5384,29 @@
                                 <m:accPr>
                                   <m:chr m:val="̂"/>
                                   <m:ctrlPr>
-                                    <a:rPr lang="en-US" b="1" i="1">
-                                      <a:latin typeface="Cambria Math" panose="02040503050406030204" pitchFamily="18" charset="0"/>
-                                      <a:ea typeface="Times New Roman" panose="02020603050405020304" pitchFamily="18" charset="0"/>
-                                      <a:cs typeface="Times New Roman" panose="02020603050405020304" pitchFamily="18" charset="0"/>
-                                    </a:rPr>
+                                    <a:rPr lang="en-US" b="1" i="1"/>
                                   </m:ctrlPr>
                                 </m:accPr>
                                 <m:e>
                                   <m:r>
-                                    <a:rPr lang="en-US" b="1" i="1">
-                                      <a:latin typeface="Cambria Math" panose="02040503050406030204" pitchFamily="18" charset="0"/>
-                                      <a:ea typeface="Times New Roman" panose="02020603050405020304" pitchFamily="18" charset="0"/>
-                                      <a:cs typeface="Times New Roman" panose="02020603050405020304" pitchFamily="18" charset="0"/>
-                                    </a:rPr>
+                                    <a:rPr lang="en-US" b="1" i="1"/>
                                     <m:t>𝑺𝒂𝒍𝒆</m:t>
                                   </m:r>
                                   <m:sSub>
                                     <m:sSubPr>
                                       <m:ctrlPr>
-                                        <a:rPr lang="en-US" b="1" i="1">
-                                          <a:latin typeface="Cambria Math" panose="02040503050406030204" pitchFamily="18" charset="0"/>
-                                          <a:ea typeface="Times New Roman" panose="02020603050405020304" pitchFamily="18" charset="0"/>
-                                          <a:cs typeface="Times New Roman" panose="02020603050405020304" pitchFamily="18" charset="0"/>
-                                        </a:rPr>
+                                        <a:rPr lang="en-US" b="1" i="1"/>
                                       </m:ctrlPr>
                                     </m:sSubPr>
                                     <m:e>
                                       <m:r>
-                                        <a:rPr lang="en-US" b="1" i="1">
-                                          <a:latin typeface="Cambria Math" panose="02040503050406030204" pitchFamily="18" charset="0"/>
-                                          <a:ea typeface="Times New Roman" panose="02020603050405020304" pitchFamily="18" charset="0"/>
-                                          <a:cs typeface="Times New Roman" panose="02020603050405020304" pitchFamily="18" charset="0"/>
-                                        </a:rPr>
+                                        <a:rPr lang="en-US" b="1" i="1"/>
                                         <m:t>𝒔</m:t>
                                       </m:r>
                                     </m:e>
                                     <m:sub>
                                       <m:r>
-                                        <a:rPr lang="en-US" b="1" i="1">
-                                          <a:latin typeface="Cambria Math" panose="02040503050406030204" pitchFamily="18" charset="0"/>
-                                          <a:ea typeface="Times New Roman" panose="02020603050405020304" pitchFamily="18" charset="0"/>
-                                          <a:cs typeface="Times New Roman" panose="02020603050405020304" pitchFamily="18" charset="0"/>
-                                        </a:rPr>
+                                        <a:rPr lang="en-US" b="1" i="1"/>
                                         <m:t>𝒑</m:t>
                                       </m:r>
                                     </m:sub>
@@ -5468,65 +5420,18 @@
                     </m:oMath>
                   </m:oMathPara>
                 </a14:m>
-                <a:endParaRPr lang="en-US" dirty="0">
-                  <a:latin typeface="Calibri" panose="020F0502020204030204" pitchFamily="34" charset="0"/>
-                  <a:ea typeface="Calibri" panose="020F0502020204030204" pitchFamily="34" charset="0"/>
-                  <a:cs typeface="Times New Roman" panose="02020603050405020304" pitchFamily="18" charset="0"/>
-                </a:endParaRPr>
+                <a:endParaRPr lang="en-US" dirty="0"/>
               </a:p>
               <a:p>
                 <a:r>
-                  <a:rPr lang="en-US" b="1" dirty="0">
-                    <a:latin typeface="Times" pitchFamily="2" charset="0"/>
-                    <a:ea typeface="Times New Roman" panose="02020603050405020304" pitchFamily="18" charset="0"/>
-                    <a:cs typeface="Times New Roman" panose="02020603050405020304" pitchFamily="18" charset="0"/>
-                  </a:rPr>
-                  <a:t> </a:t>
-                </a:r>
-                <a:endParaRPr lang="en-US" dirty="0">
-                  <a:latin typeface="Calibri" panose="020F0502020204030204" pitchFamily="34" charset="0"/>
-                  <a:ea typeface="Calibri" panose="020F0502020204030204" pitchFamily="34" charset="0"/>
-                  <a:cs typeface="Times New Roman" panose="02020603050405020304" pitchFamily="18" charset="0"/>
-                </a:endParaRPr>
-              </a:p>
-              <a:p>
-                <a:pPr marL="1371600" marR="0" indent="457200">
-                  <a:spcBef>
-                    <a:spcPts val="0"/>
-                  </a:spcBef>
-                  <a:spcAft>
-                    <a:spcPts val="0"/>
-                  </a:spcAft>
-                </a:pPr>
-                <a:r>
-                  <a:rPr lang="en-US" b="1" dirty="0">
-                    <a:latin typeface="Times" pitchFamily="2" charset="0"/>
-                    <a:ea typeface="Times New Roman" panose="02020603050405020304" pitchFamily="18" charset="0"/>
-                    <a:cs typeface="Times New Roman" panose="02020603050405020304" pitchFamily="18" charset="0"/>
-                  </a:rPr>
-                  <a:t>	</a:t>
-                </a:r>
-                <a:r>
-                  <a:rPr lang="en-US" b="1" dirty="0" err="1">
-                    <a:latin typeface="Times" pitchFamily="2" charset="0"/>
-                    <a:ea typeface="Times New Roman" panose="02020603050405020304" pitchFamily="18" charset="0"/>
-                    <a:cs typeface="Times New Roman" panose="02020603050405020304" pitchFamily="18" charset="0"/>
-                  </a:rPr>
+                  <a:rPr lang="en-US" b="1" dirty="0" err="1"/>
                   <a:t>s.t.</a:t>
                 </a:r>
                 <a:r>
-                  <a:rPr lang="en-US" b="1" dirty="0">
-                    <a:latin typeface="Times" pitchFamily="2" charset="0"/>
-                    <a:ea typeface="Times New Roman" panose="02020603050405020304" pitchFamily="18" charset="0"/>
-                    <a:cs typeface="Times New Roman" panose="02020603050405020304" pitchFamily="18" charset="0"/>
-                  </a:rPr>
+                  <a:rPr lang="en-US" b="1" dirty="0"/>
                   <a:t> </a:t>
                 </a:r>
-                <a:endParaRPr lang="en-US" dirty="0">
-                  <a:latin typeface="Calibri" panose="020F0502020204030204" pitchFamily="34" charset="0"/>
-                  <a:ea typeface="Calibri" panose="020F0502020204030204" pitchFamily="34" charset="0"/>
-                  <a:cs typeface="Times New Roman" panose="02020603050405020304" pitchFamily="18" charset="0"/>
-                </a:endParaRPr>
+                <a:endParaRPr lang="en-US" dirty="0"/>
               </a:p>
               <a:p>
                 <a14:m>
@@ -5538,129 +5443,73 @@
                       <m:sSub>
                         <m:sSubPr>
                           <m:ctrlPr>
-                            <a:rPr lang="en-US" b="1" i="1">
-                              <a:latin typeface="Cambria Math" panose="02040503050406030204" pitchFamily="18" charset="0"/>
-                              <a:ea typeface="Times New Roman" panose="02020603050405020304" pitchFamily="18" charset="0"/>
-                              <a:cs typeface="Times New Roman" panose="02020603050405020304" pitchFamily="18" charset="0"/>
-                            </a:rPr>
+                            <a:rPr lang="en-US" b="1" i="1"/>
                           </m:ctrlPr>
                         </m:sSubPr>
                         <m:e>
                           <m:r>
-                            <a:rPr lang="en-US" b="1" i="1">
-                              <a:latin typeface="Cambria Math" panose="02040503050406030204" pitchFamily="18" charset="0"/>
-                              <a:ea typeface="Times New Roman" panose="02020603050405020304" pitchFamily="18" charset="0"/>
-                              <a:cs typeface="Times New Roman" panose="02020603050405020304" pitchFamily="18" charset="0"/>
-                            </a:rPr>
+                            <a:rPr lang="en-US" b="1" i="1"/>
                             <m:t>𝒒</m:t>
                           </m:r>
                         </m:e>
                         <m:sub>
                           <m:r>
-                            <a:rPr lang="en-US" b="1" i="1">
-                              <a:latin typeface="Cambria Math" panose="02040503050406030204" pitchFamily="18" charset="0"/>
-                              <a:ea typeface="Times New Roman" panose="02020603050405020304" pitchFamily="18" charset="0"/>
-                              <a:cs typeface="Times New Roman" panose="02020603050405020304" pitchFamily="18" charset="0"/>
-                            </a:rPr>
+                            <a:rPr lang="en-US" b="1" i="1"/>
                             <m:t>𝒊</m:t>
                           </m:r>
                         </m:sub>
                       </m:sSub>
                       <m:r>
-                        <a:rPr lang="en-US" b="1">
-                          <a:latin typeface="Cambria Math" panose="02040503050406030204" pitchFamily="18" charset="0"/>
-                          <a:ea typeface="Times New Roman" panose="02020603050405020304" pitchFamily="18" charset="0"/>
-                          <a:cs typeface="Times New Roman" panose="02020603050405020304" pitchFamily="18" charset="0"/>
-                        </a:rPr>
+                        <a:rPr lang="en-US" b="1"/>
                         <m:t>≤</m:t>
                       </m:r>
                       <m:r>
-                        <a:rPr lang="en-US" b="1" i="1">
-                          <a:latin typeface="Cambria Math" panose="02040503050406030204" pitchFamily="18" charset="0"/>
-                          <a:ea typeface="Times New Roman" panose="02020603050405020304" pitchFamily="18" charset="0"/>
-                          <a:cs typeface="Times New Roman" panose="02020603050405020304" pitchFamily="18" charset="0"/>
-                        </a:rPr>
+                        <a:rPr lang="en-US" b="1" i="1"/>
                         <m:t>.</m:t>
                       </m:r>
                       <m:r>
-                        <a:rPr lang="en-US" b="1" i="1">
-                          <a:latin typeface="Cambria Math" panose="02040503050406030204" pitchFamily="18" charset="0"/>
-                          <a:ea typeface="Times New Roman" panose="02020603050405020304" pitchFamily="18" charset="0"/>
-                          <a:cs typeface="Times New Roman" panose="02020603050405020304" pitchFamily="18" charset="0"/>
-                        </a:rPr>
+                        <a:rPr lang="en-US" b="1" i="1"/>
                         <m:t>𝟎𝟓</m:t>
                       </m:r>
                       <m:r>
-                        <a:rPr lang="en-US" b="1" i="1">
-                          <a:latin typeface="Cambria Math" panose="02040503050406030204" pitchFamily="18" charset="0"/>
-                          <a:ea typeface="Times New Roman" panose="02020603050405020304" pitchFamily="18" charset="0"/>
-                          <a:cs typeface="Times New Roman" panose="02020603050405020304" pitchFamily="18" charset="0"/>
-                        </a:rPr>
+                        <a:rPr lang="en-US" b="1" i="1"/>
                         <m:t>∗</m:t>
                       </m:r>
                       <m:r>
-                        <a:rPr lang="en-US" b="1" i="1">
-                          <a:latin typeface="Cambria Math" panose="02040503050406030204" pitchFamily="18" charset="0"/>
-                          <a:ea typeface="Times New Roman" panose="02020603050405020304" pitchFamily="18" charset="0"/>
-                          <a:cs typeface="Times New Roman" panose="02020603050405020304" pitchFamily="18" charset="0"/>
-                        </a:rPr>
+                        <a:rPr lang="en-US" b="1" i="1"/>
                         <m:t>𝑷𝑪</m:t>
                       </m:r>
                       <m:sSub>
                         <m:sSubPr>
                           <m:ctrlPr>
-                            <a:rPr lang="en-US" b="1" i="1">
-                              <a:latin typeface="Cambria Math" panose="02040503050406030204" pitchFamily="18" charset="0"/>
-                              <a:ea typeface="Times New Roman" panose="02020603050405020304" pitchFamily="18" charset="0"/>
-                              <a:cs typeface="Times New Roman" panose="02020603050405020304" pitchFamily="18" charset="0"/>
-                            </a:rPr>
+                            <a:rPr lang="en-US" b="1" i="1"/>
                           </m:ctrlPr>
                         </m:sSubPr>
                         <m:e>
                           <m:r>
-                            <a:rPr lang="en-US" b="1" i="1">
-                              <a:latin typeface="Cambria Math" panose="02040503050406030204" pitchFamily="18" charset="0"/>
-                              <a:ea typeface="Times New Roman" panose="02020603050405020304" pitchFamily="18" charset="0"/>
-                              <a:cs typeface="Times New Roman" panose="02020603050405020304" pitchFamily="18" charset="0"/>
-                            </a:rPr>
+                            <a:rPr lang="en-US" b="1" i="1"/>
                             <m:t>𝑽</m:t>
                           </m:r>
                         </m:e>
                         <m:sub>
                           <m:r>
-                            <a:rPr lang="en-US" b="1" i="1">
-                              <a:latin typeface="Cambria Math" panose="02040503050406030204" pitchFamily="18" charset="0"/>
-                              <a:ea typeface="Times New Roman" panose="02020603050405020304" pitchFamily="18" charset="0"/>
-                              <a:cs typeface="Times New Roman" panose="02020603050405020304" pitchFamily="18" charset="0"/>
-                            </a:rPr>
+                            <a:rPr lang="en-US" b="1" i="1"/>
                             <m:t>𝒊</m:t>
                           </m:r>
                         </m:sub>
                       </m:sSub>
                       <m:r>
-                        <a:rPr lang="en-US" b="1">
-                          <a:latin typeface="Cambria Math" panose="02040503050406030204" pitchFamily="18" charset="0"/>
-                          <a:ea typeface="Times New Roman" panose="02020603050405020304" pitchFamily="18" charset="0"/>
-                          <a:cs typeface="Times New Roman" panose="02020603050405020304" pitchFamily="18" charset="0"/>
-                        </a:rPr>
+                        <a:rPr lang="en-US" b="1"/>
                         <m:t> ∀</m:t>
                       </m:r>
                       <m:r>
-                        <a:rPr lang="en-US" b="1" i="1">
-                          <a:latin typeface="Cambria Math" panose="02040503050406030204" pitchFamily="18" charset="0"/>
-                          <a:ea typeface="Times New Roman" panose="02020603050405020304" pitchFamily="18" charset="0"/>
-                          <a:cs typeface="Times New Roman" panose="02020603050405020304" pitchFamily="18" charset="0"/>
-                        </a:rPr>
+                        <a:rPr lang="en-US" b="1" i="1"/>
                         <m:t>𝒊</m:t>
                       </m:r>
                     </m:oMath>
                   </m:oMathPara>
                 </a14:m>
-                <a:endParaRPr lang="en-US" dirty="0">
-                  <a:latin typeface="Calibri" panose="020F0502020204030204" pitchFamily="34" charset="0"/>
-                  <a:ea typeface="Calibri" panose="020F0502020204030204" pitchFamily="34" charset="0"/>
-                  <a:cs typeface="Times New Roman" panose="02020603050405020304" pitchFamily="18" charset="0"/>
-                </a:endParaRPr>
+                <a:endParaRPr lang="en-US" dirty="0"/>
               </a:p>
               <a:p>
                 <a14:m>
@@ -5672,129 +5521,73 @@
                       <m:sSub>
                         <m:sSubPr>
                           <m:ctrlPr>
-                            <a:rPr lang="en-US" b="1" i="1">
-                              <a:latin typeface="Cambria Math" panose="02040503050406030204" pitchFamily="18" charset="0"/>
-                              <a:ea typeface="Times New Roman" panose="02020603050405020304" pitchFamily="18" charset="0"/>
-                              <a:cs typeface="Times New Roman" panose="02020603050405020304" pitchFamily="18" charset="0"/>
-                            </a:rPr>
+                            <a:rPr lang="en-US" b="1" i="1"/>
                           </m:ctrlPr>
                         </m:sSubPr>
                         <m:e>
                           <m:r>
-                            <a:rPr lang="en-US" b="1" i="1">
-                              <a:latin typeface="Cambria Math" panose="02040503050406030204" pitchFamily="18" charset="0"/>
-                              <a:ea typeface="Times New Roman" panose="02020603050405020304" pitchFamily="18" charset="0"/>
-                              <a:cs typeface="Times New Roman" panose="02020603050405020304" pitchFamily="18" charset="0"/>
-                            </a:rPr>
+                            <a:rPr lang="en-US" b="1" i="1"/>
                             <m:t>𝒓</m:t>
                           </m:r>
                         </m:e>
                         <m:sub>
                           <m:r>
-                            <a:rPr lang="en-US" b="1" i="1">
-                              <a:latin typeface="Cambria Math" panose="02040503050406030204" pitchFamily="18" charset="0"/>
-                              <a:ea typeface="Times New Roman" panose="02020603050405020304" pitchFamily="18" charset="0"/>
-                              <a:cs typeface="Times New Roman" panose="02020603050405020304" pitchFamily="18" charset="0"/>
-                            </a:rPr>
+                            <a:rPr lang="en-US" b="1" i="1"/>
                             <m:t>𝒊</m:t>
                           </m:r>
                         </m:sub>
                       </m:sSub>
                       <m:r>
-                        <a:rPr lang="en-US" b="1">
-                          <a:latin typeface="Cambria Math" panose="02040503050406030204" pitchFamily="18" charset="0"/>
-                          <a:ea typeface="Times New Roman" panose="02020603050405020304" pitchFamily="18" charset="0"/>
-                          <a:cs typeface="Times New Roman" panose="02020603050405020304" pitchFamily="18" charset="0"/>
-                        </a:rPr>
+                        <a:rPr lang="en-US" b="1"/>
                         <m:t>≥</m:t>
                       </m:r>
                       <m:r>
-                        <a:rPr lang="en-US" b="1" i="1">
-                          <a:latin typeface="Cambria Math" panose="02040503050406030204" pitchFamily="18" charset="0"/>
-                          <a:ea typeface="Times New Roman" panose="02020603050405020304" pitchFamily="18" charset="0"/>
-                          <a:cs typeface="Times New Roman" panose="02020603050405020304" pitchFamily="18" charset="0"/>
-                        </a:rPr>
+                        <a:rPr lang="en-US" b="1" i="1"/>
                         <m:t>−.</m:t>
                       </m:r>
                       <m:r>
-                        <a:rPr lang="en-US" b="1" i="1">
-                          <a:latin typeface="Cambria Math" panose="02040503050406030204" pitchFamily="18" charset="0"/>
-                          <a:ea typeface="Times New Roman" panose="02020603050405020304" pitchFamily="18" charset="0"/>
-                          <a:cs typeface="Times New Roman" panose="02020603050405020304" pitchFamily="18" charset="0"/>
-                        </a:rPr>
+                        <a:rPr lang="en-US" b="1" i="1"/>
                         <m:t>𝟎𝟓</m:t>
                       </m:r>
                       <m:r>
-                        <a:rPr lang="en-US" b="1" i="1">
-                          <a:latin typeface="Cambria Math" panose="02040503050406030204" pitchFamily="18" charset="0"/>
-                          <a:ea typeface="Times New Roman" panose="02020603050405020304" pitchFamily="18" charset="0"/>
-                          <a:cs typeface="Times New Roman" panose="02020603050405020304" pitchFamily="18" charset="0"/>
-                        </a:rPr>
+                        <a:rPr lang="en-US" b="1" i="1"/>
                         <m:t>∗</m:t>
                       </m:r>
                       <m:r>
-                        <a:rPr lang="en-US" b="1" i="1">
-                          <a:latin typeface="Cambria Math" panose="02040503050406030204" pitchFamily="18" charset="0"/>
-                          <a:ea typeface="Times New Roman" panose="02020603050405020304" pitchFamily="18" charset="0"/>
-                          <a:cs typeface="Times New Roman" panose="02020603050405020304" pitchFamily="18" charset="0"/>
-                        </a:rPr>
+                        <a:rPr lang="en-US" b="1" i="1"/>
                         <m:t>𝑵𝑪</m:t>
                       </m:r>
                       <m:sSub>
                         <m:sSubPr>
                           <m:ctrlPr>
-                            <a:rPr lang="en-US" b="1" i="1">
-                              <a:latin typeface="Cambria Math" panose="02040503050406030204" pitchFamily="18" charset="0"/>
-                              <a:ea typeface="Times New Roman" panose="02020603050405020304" pitchFamily="18" charset="0"/>
-                              <a:cs typeface="Times New Roman" panose="02020603050405020304" pitchFamily="18" charset="0"/>
-                            </a:rPr>
+                            <a:rPr lang="en-US" b="1" i="1"/>
                           </m:ctrlPr>
                         </m:sSubPr>
                         <m:e>
                           <m:r>
-                            <a:rPr lang="en-US" b="1" i="1">
-                              <a:latin typeface="Cambria Math" panose="02040503050406030204" pitchFamily="18" charset="0"/>
-                              <a:ea typeface="Times New Roman" panose="02020603050405020304" pitchFamily="18" charset="0"/>
-                              <a:cs typeface="Times New Roman" panose="02020603050405020304" pitchFamily="18" charset="0"/>
-                            </a:rPr>
+                            <a:rPr lang="en-US" b="1" i="1"/>
                             <m:t>𝑽</m:t>
                           </m:r>
                         </m:e>
                         <m:sub>
                           <m:r>
-                            <a:rPr lang="en-US" b="1" i="1">
-                              <a:latin typeface="Cambria Math" panose="02040503050406030204" pitchFamily="18" charset="0"/>
-                              <a:ea typeface="Times New Roman" panose="02020603050405020304" pitchFamily="18" charset="0"/>
-                              <a:cs typeface="Times New Roman" panose="02020603050405020304" pitchFamily="18" charset="0"/>
-                            </a:rPr>
+                            <a:rPr lang="en-US" b="1" i="1"/>
                             <m:t>𝒊</m:t>
                           </m:r>
                         </m:sub>
                       </m:sSub>
                       <m:r>
-                        <a:rPr lang="en-US" b="1">
-                          <a:latin typeface="Cambria Math" panose="02040503050406030204" pitchFamily="18" charset="0"/>
-                          <a:ea typeface="Times New Roman" panose="02020603050405020304" pitchFamily="18" charset="0"/>
-                          <a:cs typeface="Times New Roman" panose="02020603050405020304" pitchFamily="18" charset="0"/>
-                        </a:rPr>
+                        <a:rPr lang="en-US" b="1"/>
                         <m:t> ∀</m:t>
                       </m:r>
                       <m:r>
-                        <a:rPr lang="en-US" b="1" i="1">
-                          <a:latin typeface="Cambria Math" panose="02040503050406030204" pitchFamily="18" charset="0"/>
-                          <a:ea typeface="Times New Roman" panose="02020603050405020304" pitchFamily="18" charset="0"/>
-                          <a:cs typeface="Times New Roman" panose="02020603050405020304" pitchFamily="18" charset="0"/>
-                        </a:rPr>
+                        <a:rPr lang="en-US" b="1" i="1"/>
                         <m:t>𝒊</m:t>
                       </m:r>
                     </m:oMath>
                   </m:oMathPara>
                 </a14:m>
-                <a:endParaRPr lang="en-US" dirty="0">
-                  <a:latin typeface="Calibri" panose="020F0502020204030204" pitchFamily="34" charset="0"/>
-                  <a:ea typeface="Calibri" panose="020F0502020204030204" pitchFamily="34" charset="0"/>
-                  <a:cs typeface="Times New Roman" panose="02020603050405020304" pitchFamily="18" charset="0"/>
-                </a:endParaRPr>
+                <a:endParaRPr lang="en-US" dirty="0"/>
               </a:p>
               <a:p>
                 <a14:m>
@@ -5804,161 +5597,78 @@
                     </m:oMathParaPr>
                     <m:oMath xmlns:m="http://schemas.openxmlformats.org/officeDocument/2006/math">
                       <m:r>
-                        <a:rPr lang="en-US" b="1" i="1">
-                          <a:latin typeface="Cambria Math" panose="02040503050406030204" pitchFamily="18" charset="0"/>
-                          <a:ea typeface="Times New Roman" panose="02020603050405020304" pitchFamily="18" charset="0"/>
-                          <a:cs typeface="Times New Roman" panose="02020603050405020304" pitchFamily="18" charset="0"/>
-                        </a:rPr>
+                        <a:rPr lang="en-US" b="1" i="1"/>
                         <m:t>𝑷𝑪</m:t>
                       </m:r>
                       <m:sSub>
                         <m:sSubPr>
                           <m:ctrlPr>
-                            <a:rPr lang="en-US" b="1" i="1">
-                              <a:latin typeface="Cambria Math" panose="02040503050406030204" pitchFamily="18" charset="0"/>
-                              <a:ea typeface="Times New Roman" panose="02020603050405020304" pitchFamily="18" charset="0"/>
-                              <a:cs typeface="Times New Roman" panose="02020603050405020304" pitchFamily="18" charset="0"/>
-                            </a:rPr>
+                            <a:rPr lang="en-US" b="1" i="1"/>
                           </m:ctrlPr>
                         </m:sSubPr>
                         <m:e>
                           <m:r>
-                            <a:rPr lang="en-US" b="1" i="1">
-                              <a:latin typeface="Cambria Math" panose="02040503050406030204" pitchFamily="18" charset="0"/>
-                              <a:ea typeface="Times New Roman" panose="02020603050405020304" pitchFamily="18" charset="0"/>
-                              <a:cs typeface="Times New Roman" panose="02020603050405020304" pitchFamily="18" charset="0"/>
-                            </a:rPr>
+                            <a:rPr lang="en-US" b="1" i="1"/>
                             <m:t>𝑽</m:t>
                           </m:r>
                         </m:e>
                         <m:sub>
                           <m:r>
-                            <a:rPr lang="en-US" b="1" i="1">
-                              <a:latin typeface="Cambria Math" panose="02040503050406030204" pitchFamily="18" charset="0"/>
-                              <a:ea typeface="Times New Roman" panose="02020603050405020304" pitchFamily="18" charset="0"/>
-                              <a:cs typeface="Times New Roman" panose="02020603050405020304" pitchFamily="18" charset="0"/>
-                            </a:rPr>
+                            <a:rPr lang="en-US" b="1" i="1"/>
                             <m:t>𝒊</m:t>
                           </m:r>
                         </m:sub>
                       </m:sSub>
                       <m:r>
-                        <a:rPr lang="en-US" b="1" i="1">
-                          <a:latin typeface="Cambria Math" panose="02040503050406030204" pitchFamily="18" charset="0"/>
-                          <a:ea typeface="Times New Roman" panose="02020603050405020304" pitchFamily="18" charset="0"/>
-                          <a:cs typeface="Times New Roman" panose="02020603050405020304" pitchFamily="18" charset="0"/>
-                        </a:rPr>
+                        <a:rPr lang="en-US" b="1" i="1"/>
                         <m:t>+</m:t>
                       </m:r>
                       <m:r>
-                        <a:rPr lang="en-US" b="1" i="1">
-                          <a:latin typeface="Cambria Math" panose="02040503050406030204" pitchFamily="18" charset="0"/>
-                          <a:ea typeface="Times New Roman" panose="02020603050405020304" pitchFamily="18" charset="0"/>
-                          <a:cs typeface="Times New Roman" panose="02020603050405020304" pitchFamily="18" charset="0"/>
-                        </a:rPr>
+                        <a:rPr lang="en-US" b="1" i="1"/>
                         <m:t>𝑵𝑪</m:t>
                       </m:r>
                       <m:sSub>
                         <m:sSubPr>
                           <m:ctrlPr>
-                            <a:rPr lang="en-US" b="1" i="1">
-                              <a:latin typeface="Cambria Math" panose="02040503050406030204" pitchFamily="18" charset="0"/>
-                              <a:ea typeface="Times New Roman" panose="02020603050405020304" pitchFamily="18" charset="0"/>
-                              <a:cs typeface="Times New Roman" panose="02020603050405020304" pitchFamily="18" charset="0"/>
-                            </a:rPr>
+                            <a:rPr lang="en-US" b="1" i="1"/>
                           </m:ctrlPr>
                         </m:sSubPr>
                         <m:e>
                           <m:r>
-                            <a:rPr lang="en-US" b="1" i="1">
-                              <a:latin typeface="Cambria Math" panose="02040503050406030204" pitchFamily="18" charset="0"/>
-                              <a:ea typeface="Times New Roman" panose="02020603050405020304" pitchFamily="18" charset="0"/>
-                              <a:cs typeface="Times New Roman" panose="02020603050405020304" pitchFamily="18" charset="0"/>
-                            </a:rPr>
+                            <a:rPr lang="en-US" b="1" i="1"/>
                             <m:t>𝑽</m:t>
                           </m:r>
                         </m:e>
                         <m:sub>
                           <m:r>
-                            <a:rPr lang="en-US" b="1" i="1">
-                              <a:latin typeface="Cambria Math" panose="02040503050406030204" pitchFamily="18" charset="0"/>
-                              <a:ea typeface="Times New Roman" panose="02020603050405020304" pitchFamily="18" charset="0"/>
-                              <a:cs typeface="Times New Roman" panose="02020603050405020304" pitchFamily="18" charset="0"/>
-                            </a:rPr>
+                            <a:rPr lang="en-US" b="1" i="1"/>
                             <m:t>𝒊</m:t>
                           </m:r>
                         </m:sub>
                       </m:sSub>
                       <m:r>
-                        <a:rPr lang="en-US" b="1" i="1">
-                          <a:latin typeface="Cambria Math" panose="02040503050406030204" pitchFamily="18" charset="0"/>
-                          <a:ea typeface="Times New Roman" panose="02020603050405020304" pitchFamily="18" charset="0"/>
-                          <a:cs typeface="Times New Roman" panose="02020603050405020304" pitchFamily="18" charset="0"/>
-                        </a:rPr>
+                        <a:rPr lang="en-US" b="1" i="1"/>
                         <m:t>=</m:t>
                       </m:r>
                       <m:r>
-                        <a:rPr lang="en-US" b="1" i="1">
-                          <a:latin typeface="Cambria Math" panose="02040503050406030204" pitchFamily="18" charset="0"/>
-                          <a:ea typeface="Times New Roman" panose="02020603050405020304" pitchFamily="18" charset="0"/>
-                          <a:cs typeface="Times New Roman" panose="02020603050405020304" pitchFamily="18" charset="0"/>
-                        </a:rPr>
+                        <a:rPr lang="en-US" b="1" i="1"/>
                         <m:t>𝟏</m:t>
                       </m:r>
                       <m:r>
-                        <a:rPr lang="en-US" b="1">
-                          <a:latin typeface="Cambria Math" panose="02040503050406030204" pitchFamily="18" charset="0"/>
-                          <a:ea typeface="Times New Roman" panose="02020603050405020304" pitchFamily="18" charset="0"/>
-                          <a:cs typeface="Times New Roman" panose="02020603050405020304" pitchFamily="18" charset="0"/>
-                        </a:rPr>
+                        <a:rPr lang="en-US" b="1"/>
                         <m:t> ∀</m:t>
                       </m:r>
                       <m:r>
-                        <a:rPr lang="en-US" b="1" i="1">
-                          <a:latin typeface="Cambria Math" panose="02040503050406030204" pitchFamily="18" charset="0"/>
-                          <a:ea typeface="Times New Roman" panose="02020603050405020304" pitchFamily="18" charset="0"/>
-                          <a:cs typeface="Times New Roman" panose="02020603050405020304" pitchFamily="18" charset="0"/>
-                        </a:rPr>
+                        <a:rPr lang="en-US" b="1" i="1"/>
                         <m:t>𝒊</m:t>
                       </m:r>
                     </m:oMath>
                   </m:oMathPara>
                 </a14:m>
-                <a:endParaRPr lang="en-US" dirty="0">
-                  <a:latin typeface="Calibri" panose="020F0502020204030204" pitchFamily="34" charset="0"/>
-                  <a:ea typeface="Calibri" panose="020F0502020204030204" pitchFamily="34" charset="0"/>
-                  <a:cs typeface="Times New Roman" panose="02020603050405020304" pitchFamily="18" charset="0"/>
-                </a:endParaRPr>
+                <a:endParaRPr lang="en-US" dirty="0"/>
               </a:p>
               <a:p>
-                <a:r>
-                  <a:rPr lang="en-US" b="1" dirty="0">
-                    <a:latin typeface="Times" pitchFamily="2" charset="0"/>
-                    <a:ea typeface="Times New Roman" panose="02020603050405020304" pitchFamily="18" charset="0"/>
-                    <a:cs typeface="Times New Roman" panose="02020603050405020304" pitchFamily="18" charset="0"/>
-                  </a:rPr>
-                  <a:t> </a:t>
-                </a:r>
-                <a:endParaRPr lang="en-US" dirty="0">
-                  <a:latin typeface="Calibri" panose="020F0502020204030204" pitchFamily="34" charset="0"/>
-                  <a:ea typeface="Calibri" panose="020F0502020204030204" pitchFamily="34" charset="0"/>
-                  <a:cs typeface="Times New Roman" panose="02020603050405020304" pitchFamily="18" charset="0"/>
-                </a:endParaRPr>
-              </a:p>
-              <a:p>
-                <a:r>
-                  <a:rPr lang="en-US" b="1" dirty="0">
-                    <a:latin typeface="Times" pitchFamily="2" charset="0"/>
-                    <a:ea typeface="Times New Roman" panose="02020603050405020304" pitchFamily="18" charset="0"/>
-                    <a:cs typeface="Times New Roman" panose="02020603050405020304" pitchFamily="18" charset="0"/>
-                  </a:rPr>
-                  <a:t> </a:t>
-                </a:r>
-                <a:endParaRPr lang="en-US" dirty="0">
-                  <a:latin typeface="Calibri" panose="020F0502020204030204" pitchFamily="34" charset="0"/>
-                  <a:ea typeface="Calibri" panose="020F0502020204030204" pitchFamily="34" charset="0"/>
-                  <a:cs typeface="Times New Roman" panose="02020603050405020304" pitchFamily="18" charset="0"/>
-                </a:endParaRPr>
+                <a:endParaRPr lang="en-US" b="1" i="1" dirty="0"/>
               </a:p>
               <a:p>
                 <a14:m>
@@ -5971,77 +5681,49 @@
                         <m:naryPr>
                           <m:chr m:val="∑"/>
                           <m:ctrlPr>
-                            <a:rPr lang="en-US" b="1" i="1">
-                              <a:latin typeface="Cambria Math" panose="02040503050406030204" pitchFamily="18" charset="0"/>
-                              <a:ea typeface="Times New Roman" panose="02020603050405020304" pitchFamily="18" charset="0"/>
-                              <a:cs typeface="Times New Roman" panose="02020603050405020304" pitchFamily="18" charset="0"/>
-                            </a:rPr>
+                            <a:rPr lang="en-US" b="1" i="1"/>
                           </m:ctrlPr>
                         </m:naryPr>
                         <m:sub>
                           <m:r>
-                            <a:rPr lang="en-US" b="1" i="1">
-                              <a:latin typeface="Cambria Math" panose="02040503050406030204" pitchFamily="18" charset="0"/>
-                              <a:ea typeface="Times New Roman" panose="02020603050405020304" pitchFamily="18" charset="0"/>
-                              <a:cs typeface="Times New Roman" panose="02020603050405020304" pitchFamily="18" charset="0"/>
-                            </a:rPr>
+                            <a:rPr lang="en-US" b="1" i="1"/>
                             <m:t>𝒊</m:t>
                           </m:r>
                           <m:r>
-                            <a:rPr lang="en-US" b="1" i="1">
-                              <a:latin typeface="Cambria Math" panose="02040503050406030204" pitchFamily="18" charset="0"/>
-                              <a:ea typeface="Times New Roman" panose="02020603050405020304" pitchFamily="18" charset="0"/>
-                              <a:cs typeface="Times New Roman" panose="02020603050405020304" pitchFamily="18" charset="0"/>
-                            </a:rPr>
+                            <a:rPr lang="en-US" b="1" i="1"/>
                             <m:t>=</m:t>
                           </m:r>
                           <m:r>
-                            <a:rPr lang="en-US" b="1" i="1">
-                              <a:latin typeface="Cambria Math" panose="02040503050406030204" pitchFamily="18" charset="0"/>
-                              <a:ea typeface="Times New Roman" panose="02020603050405020304" pitchFamily="18" charset="0"/>
-                              <a:cs typeface="Times New Roman" panose="02020603050405020304" pitchFamily="18" charset="0"/>
-                            </a:rPr>
+                            <a:rPr lang="en-US" b="1" i="1"/>
                             <m:t>𝟏</m:t>
                           </m:r>
                         </m:sub>
                         <m:sup>
                           <m:r>
-                            <a:rPr lang="en-US" b="1" i="1">
-                              <a:latin typeface="Cambria Math" panose="02040503050406030204" pitchFamily="18" charset="0"/>
-                              <a:ea typeface="Times New Roman" panose="02020603050405020304" pitchFamily="18" charset="0"/>
-                              <a:cs typeface="Times New Roman" panose="02020603050405020304" pitchFamily="18" charset="0"/>
-                            </a:rPr>
+                            <a:rPr lang="en-US" b="1" i="1"/>
                             <m:t>𝑷</m:t>
                           </m:r>
                         </m:sup>
                         <m:e>
+                          <m:r>
+                            <a:rPr lang="en-US" b="1" i="1"/>
+                            <m:t>𝑷𝑪</m:t>
+                          </m:r>
                           <m:sSub>
                             <m:sSubPr>
                               <m:ctrlPr>
-                                <a:rPr lang="en-US" b="1" i="1">
-                                  <a:latin typeface="Cambria Math" panose="02040503050406030204" pitchFamily="18" charset="0"/>
-                                  <a:ea typeface="Times New Roman" panose="02020603050405020304" pitchFamily="18" charset="0"/>
-                                  <a:cs typeface="Times New Roman" panose="02020603050405020304" pitchFamily="18" charset="0"/>
-                                </a:rPr>
+                                <a:rPr lang="en-US" b="1" i="1"/>
                               </m:ctrlPr>
                             </m:sSubPr>
                             <m:e>
                               <m:r>
-                                <a:rPr lang="en-US" b="1" i="1">
-                                  <a:latin typeface="Cambria Math" panose="02040503050406030204" pitchFamily="18" charset="0"/>
-                                  <a:ea typeface="Times New Roman" panose="02020603050405020304" pitchFamily="18" charset="0"/>
-                                  <a:cs typeface="Times New Roman" panose="02020603050405020304" pitchFamily="18" charset="0"/>
-                                </a:rPr>
-                                <m:t>𝒒</m:t>
+                                <a:rPr lang="en-US" b="1" i="1"/>
+                                <m:t>𝑽</m:t>
                               </m:r>
                             </m:e>
                             <m:sub>
                               <m:r>
-                                <a:rPr lang="en-US" b="1" i="1">
-                                  <a:latin typeface="Cambria Math" panose="02040503050406030204" pitchFamily="18" charset="0"/>
-                                  <a:ea typeface="Times New Roman" panose="02020603050405020304" pitchFamily="18" charset="0"/>
-                                  <a:cs typeface="Times New Roman" panose="02020603050405020304" pitchFamily="18" charset="0"/>
-                                </a:rPr>
+                                <a:rPr lang="en-US" b="1" i="1"/>
                                 <m:t>𝒊</m:t>
                               </m:r>
                             </m:sub>
@@ -6049,88 +5731,70 @@
                         </m:e>
                       </m:nary>
                       <m:r>
-                        <a:rPr lang="en-US" b="1" i="1">
-                          <a:latin typeface="Cambria Math" panose="02040503050406030204" pitchFamily="18" charset="0"/>
-                          <a:ea typeface="Times New Roman" panose="02020603050405020304" pitchFamily="18" charset="0"/>
-                          <a:cs typeface="Times New Roman" panose="02020603050405020304" pitchFamily="18" charset="0"/>
-                        </a:rPr>
-                        <m:t>+</m:t>
-                      </m:r>
+                        <a:rPr lang="en-US" b="1"/>
+                        <m:t>≤</m:t>
+                      </m:r>
+                      <m:r>
+                        <a:rPr lang="en-US" b="1" i="1"/>
+                        <m:t>𝑵𝒖𝒎</m:t>
+                      </m:r>
+                      <m:r>
+                        <a:rPr lang="en-US" b="1" i="1"/>
+                        <m:t> </m:t>
+                      </m:r>
+                      <m:r>
+                        <a:rPr lang="en-US" b="1" i="1"/>
+                        <m:t>𝑪𝒉𝒂𝒏𝒈𝒆𝒔</m:t>
+                      </m:r>
+                    </m:oMath>
+                    <m:oMath xmlns:m="http://schemas.openxmlformats.org/officeDocument/2006/math">
                       <m:nary>
                         <m:naryPr>
                           <m:chr m:val="∑"/>
                           <m:ctrlPr>
-                            <a:rPr lang="en-US" b="1" i="1">
-                              <a:latin typeface="Cambria Math" panose="02040503050406030204" pitchFamily="18" charset="0"/>
-                              <a:ea typeface="Times New Roman" panose="02020603050405020304" pitchFamily="18" charset="0"/>
-                              <a:cs typeface="Times New Roman" panose="02020603050405020304" pitchFamily="18" charset="0"/>
-                            </a:rPr>
+                            <a:rPr lang="en-US" b="1" i="1"/>
                           </m:ctrlPr>
                         </m:naryPr>
                         <m:sub>
                           <m:r>
-                            <a:rPr lang="en-US" b="1" i="1">
-                              <a:latin typeface="Cambria Math" panose="02040503050406030204" pitchFamily="18" charset="0"/>
-                              <a:ea typeface="Times New Roman" panose="02020603050405020304" pitchFamily="18" charset="0"/>
-                              <a:cs typeface="Times New Roman" panose="02020603050405020304" pitchFamily="18" charset="0"/>
-                            </a:rPr>
+                            <a:rPr lang="en-US" b="1" i="1"/>
                             <m:t>𝒊</m:t>
                           </m:r>
                           <m:r>
-                            <a:rPr lang="en-US" b="1" i="1">
-                              <a:latin typeface="Cambria Math" panose="02040503050406030204" pitchFamily="18" charset="0"/>
-                              <a:ea typeface="Times New Roman" panose="02020603050405020304" pitchFamily="18" charset="0"/>
-                              <a:cs typeface="Times New Roman" panose="02020603050405020304" pitchFamily="18" charset="0"/>
-                            </a:rPr>
+                            <a:rPr lang="en-US" b="1" i="1"/>
                             <m:t>=</m:t>
                           </m:r>
                           <m:r>
-                            <a:rPr lang="en-US" b="1" i="1">
-                              <a:latin typeface="Cambria Math" panose="02040503050406030204" pitchFamily="18" charset="0"/>
-                              <a:ea typeface="Times New Roman" panose="02020603050405020304" pitchFamily="18" charset="0"/>
-                              <a:cs typeface="Times New Roman" panose="02020603050405020304" pitchFamily="18" charset="0"/>
-                            </a:rPr>
+                            <a:rPr lang="en-US" b="1" i="1"/>
                             <m:t>𝟏</m:t>
                           </m:r>
                         </m:sub>
                         <m:sup>
                           <m:r>
-                            <a:rPr lang="en-US" b="1" i="1">
-                              <a:latin typeface="Cambria Math" panose="02040503050406030204" pitchFamily="18" charset="0"/>
-                              <a:ea typeface="Times New Roman" panose="02020603050405020304" pitchFamily="18" charset="0"/>
-                              <a:cs typeface="Times New Roman" panose="02020603050405020304" pitchFamily="18" charset="0"/>
-                            </a:rPr>
+                            <a:rPr lang="en-US" b="1" i="1"/>
                             <m:t>𝑷</m:t>
                           </m:r>
                         </m:sup>
                         <m:e>
+                          <m:r>
+                            <a:rPr lang="en-US" b="1" i="1"/>
+                            <m:t>𝑵𝑪</m:t>
+                          </m:r>
                           <m:sSub>
                             <m:sSubPr>
                               <m:ctrlPr>
-                                <a:rPr lang="en-US" b="1" i="1">
-                                  <a:latin typeface="Cambria Math" panose="02040503050406030204" pitchFamily="18" charset="0"/>
-                                  <a:ea typeface="Times New Roman" panose="02020603050405020304" pitchFamily="18" charset="0"/>
-                                  <a:cs typeface="Times New Roman" panose="02020603050405020304" pitchFamily="18" charset="0"/>
-                                </a:rPr>
+                                <a:rPr lang="en-US" b="1" i="1"/>
                               </m:ctrlPr>
                             </m:sSubPr>
                             <m:e>
                               <m:r>
-                                <a:rPr lang="en-US" b="1" i="1">
-                                  <a:latin typeface="Cambria Math" panose="02040503050406030204" pitchFamily="18" charset="0"/>
-                                  <a:ea typeface="Times New Roman" panose="02020603050405020304" pitchFamily="18" charset="0"/>
-                                  <a:cs typeface="Times New Roman" panose="02020603050405020304" pitchFamily="18" charset="0"/>
-                                </a:rPr>
-                                <m:t>𝒓</m:t>
+                                <a:rPr lang="en-US" b="1" i="1"/>
+                                <m:t>𝑽</m:t>
                               </m:r>
                             </m:e>
                             <m:sub>
                               <m:r>
-                                <a:rPr lang="en-US" b="1" i="1">
-                                  <a:latin typeface="Cambria Math" panose="02040503050406030204" pitchFamily="18" charset="0"/>
-                                  <a:ea typeface="Times New Roman" panose="02020603050405020304" pitchFamily="18" charset="0"/>
-                                  <a:cs typeface="Times New Roman" panose="02020603050405020304" pitchFamily="18" charset="0"/>
-                                </a:rPr>
+                                <a:rPr lang="en-US" b="1" i="1"/>
                                 <m:t>𝒊</m:t>
                               </m:r>
                             </m:sub>
@@ -6138,44 +5802,25 @@
                         </m:e>
                       </m:nary>
                       <m:r>
-                        <a:rPr lang="en-US" b="1" i="1">
-                          <a:latin typeface="Cambria Math" panose="02040503050406030204" pitchFamily="18" charset="0"/>
-                          <a:ea typeface="Times New Roman" panose="02020603050405020304" pitchFamily="18" charset="0"/>
-                          <a:cs typeface="Times New Roman" panose="02020603050405020304" pitchFamily="18" charset="0"/>
-                        </a:rPr>
-                        <m:t>=</m:t>
-                      </m:r>
-                      <m:r>
-                        <a:rPr lang="en-US" b="1" i="1">
-                          <a:latin typeface="Cambria Math" panose="02040503050406030204" pitchFamily="18" charset="0"/>
-                          <a:ea typeface="Times New Roman" panose="02020603050405020304" pitchFamily="18" charset="0"/>
-                          <a:cs typeface="Times New Roman" panose="02020603050405020304" pitchFamily="18" charset="0"/>
-                        </a:rPr>
-                        <m:t>𝟎</m:t>
+                        <a:rPr lang="en-US" b="1"/>
+                        <m:t>≤</m:t>
+                      </m:r>
+                      <m:r>
+                        <a:rPr lang="en-US" b="1" i="1"/>
+                        <m:t>𝑵𝒖𝒎</m:t>
+                      </m:r>
+                      <m:r>
+                        <a:rPr lang="en-US" b="1" i="1"/>
+                        <m:t> </m:t>
+                      </m:r>
+                      <m:r>
+                        <a:rPr lang="en-US" b="1" i="1"/>
+                        <m:t>𝑪𝒉𝒂𝒏𝒈𝒆𝒔</m:t>
                       </m:r>
                     </m:oMath>
                   </m:oMathPara>
                 </a14:m>
-                <a:endParaRPr lang="en-US" dirty="0">
-                  <a:latin typeface="Calibri" panose="020F0502020204030204" pitchFamily="34" charset="0"/>
-                  <a:ea typeface="Calibri" panose="020F0502020204030204" pitchFamily="34" charset="0"/>
-                  <a:cs typeface="Times New Roman" panose="02020603050405020304" pitchFamily="18" charset="0"/>
-                </a:endParaRPr>
-              </a:p>
-              <a:p>
-                <a:r>
-                  <a:rPr lang="en-US" b="1" dirty="0">
-                    <a:latin typeface="Times" pitchFamily="2" charset="0"/>
-                    <a:ea typeface="Times New Roman" panose="02020603050405020304" pitchFamily="18" charset="0"/>
-                    <a:cs typeface="Times New Roman" panose="02020603050405020304" pitchFamily="18" charset="0"/>
-                  </a:rPr>
-                  <a:t> </a:t>
-                </a:r>
-                <a:endParaRPr lang="en-US" dirty="0">
-                  <a:latin typeface="Calibri" panose="020F0502020204030204" pitchFamily="34" charset="0"/>
-                  <a:ea typeface="Calibri" panose="020F0502020204030204" pitchFamily="34" charset="0"/>
-                  <a:cs typeface="Times New Roman" panose="02020603050405020304" pitchFamily="18" charset="0"/>
-                </a:endParaRPr>
+                <a:endParaRPr lang="en-US" dirty="0"/>
               </a:p>
               <a:p>
                 <a14:m>
@@ -6184,180 +5829,127 @@
                       <m:jc m:val="centerGroup"/>
                     </m:oMathParaPr>
                     <m:oMath xmlns:m="http://schemas.openxmlformats.org/officeDocument/2006/math">
-                      <m:r>
-                        <a:rPr lang="en-US" b="1" i="1">
-                          <a:latin typeface="Cambria Math" panose="02040503050406030204" pitchFamily="18" charset="0"/>
-                          <a:ea typeface="Times New Roman" panose="02020603050405020304" pitchFamily="18" charset="0"/>
-                          <a:cs typeface="Times New Roman" panose="02020603050405020304" pitchFamily="18" charset="0"/>
-                        </a:rPr>
-                        <m:t>𝑴</m:t>
-                      </m:r>
-                      <m:sSub>
-                        <m:sSubPr>
+                      <m:nary>
+                        <m:naryPr>
+                          <m:chr m:val="∑"/>
                           <m:ctrlPr>
-                            <a:rPr lang="en-US" b="1" i="1">
-                              <a:latin typeface="Cambria Math" panose="02040503050406030204" pitchFamily="18" charset="0"/>
-                              <a:ea typeface="Times New Roman" panose="02020603050405020304" pitchFamily="18" charset="0"/>
-                              <a:cs typeface="Times New Roman" panose="02020603050405020304" pitchFamily="18" charset="0"/>
-                            </a:rPr>
+                            <a:rPr lang="en-US" b="1" i="1"/>
                           </m:ctrlPr>
-                        </m:sSubPr>
-                        <m:e>
-                          <m:r>
-                            <a:rPr lang="en-US" b="1" i="1">
-                              <a:latin typeface="Cambria Math" panose="02040503050406030204" pitchFamily="18" charset="0"/>
-                              <a:ea typeface="Times New Roman" panose="02020603050405020304" pitchFamily="18" charset="0"/>
-                              <a:cs typeface="Times New Roman" panose="02020603050405020304" pitchFamily="18" charset="0"/>
-                            </a:rPr>
-                            <m:t>𝑿</m:t>
-                          </m:r>
-                        </m:e>
+                        </m:naryPr>
                         <m:sub>
                           <m:r>
-                            <a:rPr lang="en-US" b="1" i="1">
-                              <a:latin typeface="Cambria Math" panose="02040503050406030204" pitchFamily="18" charset="0"/>
-                              <a:ea typeface="Times New Roman" panose="02020603050405020304" pitchFamily="18" charset="0"/>
-                              <a:cs typeface="Times New Roman" panose="02020603050405020304" pitchFamily="18" charset="0"/>
-                            </a:rPr>
+                            <a:rPr lang="en-US" b="1" i="1"/>
                             <m:t>𝒊</m:t>
                           </m:r>
                           <m:r>
-                            <a:rPr lang="en-US" b="1" i="1">
-                              <a:latin typeface="Cambria Math" panose="02040503050406030204" pitchFamily="18" charset="0"/>
-                              <a:ea typeface="Times New Roman" panose="02020603050405020304" pitchFamily="18" charset="0"/>
-                              <a:cs typeface="Times New Roman" panose="02020603050405020304" pitchFamily="18" charset="0"/>
-                            </a:rPr>
-                            <m:t>,</m:t>
+                            <a:rPr lang="en-US" b="1" i="1"/>
+                            <m:t>=</m:t>
                           </m:r>
                           <m:r>
-                            <a:rPr lang="en-US" b="1" i="1">
-                              <a:latin typeface="Cambria Math" panose="02040503050406030204" pitchFamily="18" charset="0"/>
-                              <a:ea typeface="Times New Roman" panose="02020603050405020304" pitchFamily="18" charset="0"/>
-                              <a:cs typeface="Times New Roman" panose="02020603050405020304" pitchFamily="18" charset="0"/>
-                            </a:rPr>
-                            <m:t>𝒋</m:t>
+                            <a:rPr lang="en-US" b="1" i="1"/>
+                            <m:t>𝟏</m:t>
                           </m:r>
                         </m:sub>
-                      </m:sSub>
-                      <m:r>
-                        <a:rPr lang="en-US" b="1" i="1">
-                          <a:latin typeface="Cambria Math" panose="02040503050406030204" pitchFamily="18" charset="0"/>
-                          <a:ea typeface="Times New Roman" panose="02020603050405020304" pitchFamily="18" charset="0"/>
-                          <a:cs typeface="Times New Roman" panose="02020603050405020304" pitchFamily="18" charset="0"/>
-                        </a:rPr>
-                        <m:t>=</m:t>
-                      </m:r>
-                      <m:r>
-                        <a:rPr lang="en-US" b="1" i="1">
-                          <a:latin typeface="Cambria Math" panose="02040503050406030204" pitchFamily="18" charset="0"/>
-                          <a:ea typeface="Times New Roman" panose="02020603050405020304" pitchFamily="18" charset="0"/>
-                          <a:cs typeface="Times New Roman" panose="02020603050405020304" pitchFamily="18" charset="0"/>
-                        </a:rPr>
-                        <m:t>𝑺</m:t>
-                      </m:r>
-                      <m:sSub>
-                        <m:sSubPr>
+                        <m:sup>
+                          <m:r>
+                            <a:rPr lang="en-US" b="1" i="1"/>
+                            <m:t>𝑷</m:t>
+                          </m:r>
+                        </m:sup>
+                        <m:e>
+                          <m:sSub>
+                            <m:sSubPr>
+                              <m:ctrlPr>
+                                <a:rPr lang="en-US" b="1" i="1"/>
+                              </m:ctrlPr>
+                            </m:sSubPr>
+                            <m:e>
+                              <m:r>
+                                <a:rPr lang="en-US" b="1" i="1"/>
+                                <m:t>𝒒</m:t>
+                              </m:r>
+                            </m:e>
+                            <m:sub>
+                              <m:r>
+                                <a:rPr lang="en-US" b="1" i="1"/>
+                                <m:t>𝒊</m:t>
+                              </m:r>
+                            </m:sub>
+                          </m:sSub>
+                        </m:e>
+                      </m:nary>
+                      <m:r>
+                        <a:rPr lang="en-US" b="1" i="1"/>
+                        <m:t>+</m:t>
+                      </m:r>
+                      <m:nary>
+                        <m:naryPr>
+                          <m:chr m:val="∑"/>
                           <m:ctrlPr>
-                            <a:rPr lang="en-US" b="1" i="1">
-                              <a:latin typeface="Cambria Math" panose="02040503050406030204" pitchFamily="18" charset="0"/>
-                              <a:ea typeface="Times New Roman" panose="02020603050405020304" pitchFamily="18" charset="0"/>
-                              <a:cs typeface="Times New Roman" panose="02020603050405020304" pitchFamily="18" charset="0"/>
-                            </a:rPr>
+                            <a:rPr lang="en-US" b="1" i="1"/>
                           </m:ctrlPr>
-                        </m:sSubPr>
-                        <m:e>
-                          <m:r>
-                            <a:rPr lang="en-US" b="1" i="1">
-                              <a:latin typeface="Cambria Math" panose="02040503050406030204" pitchFamily="18" charset="0"/>
-                              <a:ea typeface="Times New Roman" panose="02020603050405020304" pitchFamily="18" charset="0"/>
-                              <a:cs typeface="Times New Roman" panose="02020603050405020304" pitchFamily="18" charset="0"/>
-                            </a:rPr>
-                            <m:t>𝑴</m:t>
-                          </m:r>
-                        </m:e>
+                        </m:naryPr>
                         <m:sub>
                           <m:r>
-                            <a:rPr lang="en-US" b="1" i="1">
-                              <a:latin typeface="Cambria Math" panose="02040503050406030204" pitchFamily="18" charset="0"/>
-                              <a:ea typeface="Times New Roman" panose="02020603050405020304" pitchFamily="18" charset="0"/>
-                              <a:cs typeface="Times New Roman" panose="02020603050405020304" pitchFamily="18" charset="0"/>
-                            </a:rPr>
+                            <a:rPr lang="en-US" b="1" i="1"/>
                             <m:t>𝒊</m:t>
                           </m:r>
                           <m:r>
-                            <a:rPr lang="en-US" b="1" i="1">
-                              <a:latin typeface="Cambria Math" panose="02040503050406030204" pitchFamily="18" charset="0"/>
-                              <a:ea typeface="Times New Roman" panose="02020603050405020304" pitchFamily="18" charset="0"/>
-                              <a:cs typeface="Times New Roman" panose="02020603050405020304" pitchFamily="18" charset="0"/>
-                            </a:rPr>
-                            <m:t>,</m:t>
+                            <a:rPr lang="en-US" b="1" i="1"/>
+                            <m:t>=</m:t>
                           </m:r>
                           <m:r>
-                            <a:rPr lang="en-US" b="1" i="1">
-                              <a:latin typeface="Cambria Math" panose="02040503050406030204" pitchFamily="18" charset="0"/>
-                              <a:ea typeface="Times New Roman" panose="02020603050405020304" pitchFamily="18" charset="0"/>
-                              <a:cs typeface="Times New Roman" panose="02020603050405020304" pitchFamily="18" charset="0"/>
-                            </a:rPr>
-                            <m:t>𝒋</m:t>
+                            <a:rPr lang="en-US" b="1" i="1"/>
+                            <m:t>𝟏</m:t>
                           </m:r>
                         </m:sub>
-                      </m:sSub>
-                      <m:r>
-                        <a:rPr lang="en-US" b="1">
-                          <a:latin typeface="Cambria Math" panose="02040503050406030204" pitchFamily="18" charset="0"/>
-                          <a:ea typeface="Times New Roman" panose="02020603050405020304" pitchFamily="18" charset="0"/>
-                          <a:cs typeface="Times New Roman" panose="02020603050405020304" pitchFamily="18" charset="0"/>
-                        </a:rPr>
-                        <m:t> </m:t>
-                      </m:r>
-                      <m:r>
-                        <a:rPr lang="en-US" b="1" i="1">
-                          <a:latin typeface="Cambria Math" panose="02040503050406030204" pitchFamily="18" charset="0"/>
-                          <a:ea typeface="Times New Roman" panose="02020603050405020304" pitchFamily="18" charset="0"/>
-                          <a:cs typeface="Times New Roman" panose="02020603050405020304" pitchFamily="18" charset="0"/>
-                        </a:rPr>
-                        <m:t>𝒋</m:t>
-                      </m:r>
-                      <m:r>
-                        <a:rPr lang="en-US" b="1">
-                          <a:latin typeface="Cambria Math" panose="02040503050406030204" pitchFamily="18" charset="0"/>
-                          <a:ea typeface="Times New Roman" panose="02020603050405020304" pitchFamily="18" charset="0"/>
-                          <a:cs typeface="Times New Roman" panose="02020603050405020304" pitchFamily="18" charset="0"/>
-                        </a:rPr>
-                        <m:t>∉</m:t>
-                      </m:r>
-                      <m:r>
-                        <a:rPr lang="en-US" b="1" i="1">
-                          <a:latin typeface="Cambria Math" panose="02040503050406030204" pitchFamily="18" charset="0"/>
-                          <a:ea typeface="Times New Roman" panose="02020603050405020304" pitchFamily="18" charset="0"/>
-                          <a:cs typeface="Times New Roman" panose="02020603050405020304" pitchFamily="18" charset="0"/>
-                        </a:rPr>
-                        <m:t>𝑽𝒊𝒔𝒊𝒃𝒊𝒍𝒊𝒕𝒚</m:t>
-                      </m:r>
-                      <m:r>
-                        <a:rPr lang="en-US" b="1">
-                          <a:latin typeface="Cambria Math" panose="02040503050406030204" pitchFamily="18" charset="0"/>
-                          <a:ea typeface="Times New Roman" panose="02020603050405020304" pitchFamily="18" charset="0"/>
-                          <a:cs typeface="Times New Roman" panose="02020603050405020304" pitchFamily="18" charset="0"/>
-                        </a:rPr>
-                        <m:t> ∀</m:t>
-                      </m:r>
-                      <m:r>
-                        <a:rPr lang="en-US" b="1" i="1">
-                          <a:latin typeface="Cambria Math" panose="02040503050406030204" pitchFamily="18" charset="0"/>
-                          <a:ea typeface="Times New Roman" panose="02020603050405020304" pitchFamily="18" charset="0"/>
-                          <a:cs typeface="Times New Roman" panose="02020603050405020304" pitchFamily="18" charset="0"/>
-                        </a:rPr>
-                        <m:t>𝒊</m:t>
+                        <m:sup>
+                          <m:r>
+                            <a:rPr lang="en-US" b="1" i="1"/>
+                            <m:t>𝑷</m:t>
+                          </m:r>
+                        </m:sup>
+                        <m:e>
+                          <m:sSub>
+                            <m:sSubPr>
+                              <m:ctrlPr>
+                                <a:rPr lang="en-US" b="1" i="1"/>
+                              </m:ctrlPr>
+                            </m:sSubPr>
+                            <m:e>
+                              <m:r>
+                                <a:rPr lang="en-US" b="1" i="1"/>
+                                <m:t>𝒓</m:t>
+                              </m:r>
+                            </m:e>
+                            <m:sub>
+                              <m:r>
+                                <a:rPr lang="en-US" b="1" i="1"/>
+                                <m:t>𝒊</m:t>
+                              </m:r>
+                            </m:sub>
+                          </m:sSub>
+                        </m:e>
+                      </m:nary>
+                      <m:r>
+                        <a:rPr lang="en-US" b="1" i="1"/>
+                        <m:t>=</m:t>
+                      </m:r>
+                      <m:r>
+                        <a:rPr lang="en-US" b="1" i="1"/>
+                        <m:t>𝟎</m:t>
                       </m:r>
                     </m:oMath>
                   </m:oMathPara>
                 </a14:m>
-                <a:endParaRPr lang="en-US" dirty="0">
-                  <a:latin typeface="Calibri" panose="020F0502020204030204" pitchFamily="34" charset="0"/>
-                  <a:ea typeface="Calibri" panose="020F0502020204030204" pitchFamily="34" charset="0"/>
-                  <a:cs typeface="Times New Roman" panose="02020603050405020304" pitchFamily="18" charset="0"/>
-                </a:endParaRPr>
+                <a:endParaRPr lang="en-US" dirty="0"/>
+              </a:p>
+              <a:p>
+                <a:r>
+                  <a:rPr lang="en-US" b="1" dirty="0"/>
+                  <a:t> </a:t>
+                </a:r>
+                <a:endParaRPr lang="en-US" dirty="0"/>
               </a:p>
               <a:p>
                 <a14:m>
@@ -6367,257 +5959,99 @@
                     </m:oMathParaPr>
                     <m:oMath xmlns:m="http://schemas.openxmlformats.org/officeDocument/2006/math">
                       <m:r>
-                        <a:rPr lang="en-US" b="1" i="1">
-                          <a:latin typeface="Cambria Math" panose="02040503050406030204" pitchFamily="18" charset="0"/>
-                          <a:ea typeface="Times New Roman" panose="02020603050405020304" pitchFamily="18" charset="0"/>
-                          <a:cs typeface="Times New Roman" panose="02020603050405020304" pitchFamily="18" charset="0"/>
-                        </a:rPr>
-                        <m:t>𝑺</m:t>
+                        <a:rPr lang="en-US" b="1" i="1"/>
+                        <m:t>𝑴</m:t>
                       </m:r>
                       <m:sSub>
                         <m:sSubPr>
                           <m:ctrlPr>
-                            <a:rPr lang="en-US" b="1" i="1">
-                              <a:latin typeface="Cambria Math" panose="02040503050406030204" pitchFamily="18" charset="0"/>
-                              <a:ea typeface="Times New Roman" panose="02020603050405020304" pitchFamily="18" charset="0"/>
-                              <a:cs typeface="Times New Roman" panose="02020603050405020304" pitchFamily="18" charset="0"/>
-                            </a:rPr>
+                            <a:rPr lang="en-US" b="1" i="1"/>
                           </m:ctrlPr>
                         </m:sSubPr>
                         <m:e>
                           <m:r>
-                            <a:rPr lang="en-US" b="1" i="1">
-                              <a:latin typeface="Cambria Math" panose="02040503050406030204" pitchFamily="18" charset="0"/>
-                              <a:ea typeface="Times New Roman" panose="02020603050405020304" pitchFamily="18" charset="0"/>
-                              <a:cs typeface="Times New Roman" panose="02020603050405020304" pitchFamily="18" charset="0"/>
-                            </a:rPr>
+                            <a:rPr lang="en-US" b="1" i="1"/>
+                            <m:t>𝑿</m:t>
+                          </m:r>
+                        </m:e>
+                        <m:sub>
+                          <m:r>
+                            <a:rPr lang="en-US" b="1" i="1"/>
+                            <m:t>𝒊</m:t>
+                          </m:r>
+                          <m:r>
+                            <a:rPr lang="en-US" b="1" i="1"/>
+                            <m:t>,</m:t>
+                          </m:r>
+                          <m:r>
+                            <a:rPr lang="en-US" b="1" i="1"/>
+                            <m:t>𝒋</m:t>
+                          </m:r>
+                        </m:sub>
+                      </m:sSub>
+                      <m:r>
+                        <a:rPr lang="en-US" b="1" i="1"/>
+                        <m:t>=</m:t>
+                      </m:r>
+                      <m:r>
+                        <a:rPr lang="en-US" b="1" i="1"/>
+                        <m:t>𝑺</m:t>
+                      </m:r>
+                      <m:sSub>
+                        <m:sSubPr>
+                          <m:ctrlPr>
+                            <a:rPr lang="en-US" b="1" i="1"/>
+                          </m:ctrlPr>
+                        </m:sSubPr>
+                        <m:e>
+                          <m:r>
+                            <a:rPr lang="en-US" b="1" i="1"/>
                             <m:t>𝑴</m:t>
                           </m:r>
                         </m:e>
                         <m:sub>
                           <m:r>
-                            <a:rPr lang="en-US" b="1" i="1">
-                              <a:latin typeface="Cambria Math" panose="02040503050406030204" pitchFamily="18" charset="0"/>
-                              <a:ea typeface="Times New Roman" panose="02020603050405020304" pitchFamily="18" charset="0"/>
-                              <a:cs typeface="Times New Roman" panose="02020603050405020304" pitchFamily="18" charset="0"/>
-                            </a:rPr>
+                            <a:rPr lang="en-US" b="1" i="1"/>
                             <m:t>𝒊</m:t>
                           </m:r>
                           <m:r>
-                            <a:rPr lang="en-US" b="1" i="1">
-                              <a:latin typeface="Cambria Math" panose="02040503050406030204" pitchFamily="18" charset="0"/>
-                              <a:ea typeface="Times New Roman" panose="02020603050405020304" pitchFamily="18" charset="0"/>
-                              <a:cs typeface="Times New Roman" panose="02020603050405020304" pitchFamily="18" charset="0"/>
-                            </a:rPr>
+                            <a:rPr lang="en-US" b="1" i="1"/>
                             <m:t>,</m:t>
                           </m:r>
                           <m:r>
-                            <a:rPr lang="en-US" b="1" i="1">
-                              <a:latin typeface="Cambria Math" panose="02040503050406030204" pitchFamily="18" charset="0"/>
-                              <a:ea typeface="Times New Roman" panose="02020603050405020304" pitchFamily="18" charset="0"/>
-                              <a:cs typeface="Times New Roman" panose="02020603050405020304" pitchFamily="18" charset="0"/>
-                            </a:rPr>
+                            <a:rPr lang="en-US" b="1" i="1"/>
                             <m:t>𝒋</m:t>
                           </m:r>
                         </m:sub>
                       </m:sSub>
                       <m:r>
-                        <a:rPr lang="en-US" b="1" i="1">
-                          <a:latin typeface="Cambria Math" panose="02040503050406030204" pitchFamily="18" charset="0"/>
-                          <a:ea typeface="Times New Roman" panose="02020603050405020304" pitchFamily="18" charset="0"/>
-                          <a:cs typeface="Times New Roman" panose="02020603050405020304" pitchFamily="18" charset="0"/>
-                        </a:rPr>
-                        <m:t>+</m:t>
-                      </m:r>
-                      <m:sSub>
-                        <m:sSubPr>
-                          <m:ctrlPr>
-                            <a:rPr lang="en-US" b="1" i="1">
-                              <a:latin typeface="Cambria Math" panose="02040503050406030204" pitchFamily="18" charset="0"/>
-                              <a:ea typeface="Times New Roman" panose="02020603050405020304" pitchFamily="18" charset="0"/>
-                              <a:cs typeface="Times New Roman" panose="02020603050405020304" pitchFamily="18" charset="0"/>
-                            </a:rPr>
-                          </m:ctrlPr>
-                        </m:sSubPr>
-                        <m:e>
-                          <m:r>
-                            <a:rPr lang="en-US" b="1" i="1">
-                              <a:latin typeface="Cambria Math" panose="02040503050406030204" pitchFamily="18" charset="0"/>
-                              <a:ea typeface="Times New Roman" panose="02020603050405020304" pitchFamily="18" charset="0"/>
-                              <a:cs typeface="Times New Roman" panose="02020603050405020304" pitchFamily="18" charset="0"/>
-                            </a:rPr>
-                            <m:t>𝒒</m:t>
-                          </m:r>
-                        </m:e>
-                        <m:sub>
-                          <m:r>
-                            <a:rPr lang="en-US" b="1" i="1">
-                              <a:latin typeface="Cambria Math" panose="02040503050406030204" pitchFamily="18" charset="0"/>
-                              <a:ea typeface="Times New Roman" panose="02020603050405020304" pitchFamily="18" charset="0"/>
-                              <a:cs typeface="Times New Roman" panose="02020603050405020304" pitchFamily="18" charset="0"/>
-                            </a:rPr>
-                            <m:t>𝒊</m:t>
-                          </m:r>
-                        </m:sub>
-                      </m:sSub>
-                      <m:r>
-                        <a:rPr lang="en-US" b="1" i="1">
-                          <a:latin typeface="Cambria Math" panose="02040503050406030204" pitchFamily="18" charset="0"/>
-                          <a:ea typeface="Times New Roman" panose="02020603050405020304" pitchFamily="18" charset="0"/>
-                          <a:cs typeface="Times New Roman" panose="02020603050405020304" pitchFamily="18" charset="0"/>
-                        </a:rPr>
-                        <m:t>+</m:t>
-                      </m:r>
-                      <m:sSub>
-                        <m:sSubPr>
-                          <m:ctrlPr>
-                            <a:rPr lang="en-US" b="1" i="1">
-                              <a:latin typeface="Cambria Math" panose="02040503050406030204" pitchFamily="18" charset="0"/>
-                              <a:ea typeface="Times New Roman" panose="02020603050405020304" pitchFamily="18" charset="0"/>
-                              <a:cs typeface="Times New Roman" panose="02020603050405020304" pitchFamily="18" charset="0"/>
-                            </a:rPr>
-                          </m:ctrlPr>
-                        </m:sSubPr>
-                        <m:e>
-                          <m:r>
-                            <a:rPr lang="en-US" b="1" i="1">
-                              <a:latin typeface="Cambria Math" panose="02040503050406030204" pitchFamily="18" charset="0"/>
-                              <a:ea typeface="Times New Roman" panose="02020603050405020304" pitchFamily="18" charset="0"/>
-                              <a:cs typeface="Times New Roman" panose="02020603050405020304" pitchFamily="18" charset="0"/>
-                            </a:rPr>
-                            <m:t>𝒓</m:t>
-                          </m:r>
-                        </m:e>
-                        <m:sub>
-                          <m:r>
-                            <a:rPr lang="en-US" b="1" i="1">
-                              <a:latin typeface="Cambria Math" panose="02040503050406030204" pitchFamily="18" charset="0"/>
-                              <a:ea typeface="Times New Roman" panose="02020603050405020304" pitchFamily="18" charset="0"/>
-                              <a:cs typeface="Times New Roman" panose="02020603050405020304" pitchFamily="18" charset="0"/>
-                            </a:rPr>
-                            <m:t>𝒊</m:t>
-                          </m:r>
-                        </m:sub>
-                      </m:sSub>
-                      <m:r>
-                        <a:rPr lang="en-US" b="1" i="1">
-                          <a:latin typeface="Cambria Math" panose="02040503050406030204" pitchFamily="18" charset="0"/>
-                          <a:ea typeface="Times New Roman" panose="02020603050405020304" pitchFamily="18" charset="0"/>
-                          <a:cs typeface="Times New Roman" panose="02020603050405020304" pitchFamily="18" charset="0"/>
-                        </a:rPr>
-                        <m:t>=</m:t>
-                      </m:r>
-                      <m:r>
-                        <a:rPr lang="en-US" b="1" i="1">
-                          <a:latin typeface="Cambria Math" panose="02040503050406030204" pitchFamily="18" charset="0"/>
-                          <a:ea typeface="Times New Roman" panose="02020603050405020304" pitchFamily="18" charset="0"/>
-                          <a:cs typeface="Times New Roman" panose="02020603050405020304" pitchFamily="18" charset="0"/>
-                        </a:rPr>
-                        <m:t>𝑴</m:t>
-                      </m:r>
-                      <m:sSub>
-                        <m:sSubPr>
-                          <m:ctrlPr>
-                            <a:rPr lang="en-US" b="1" i="1">
-                              <a:latin typeface="Cambria Math" panose="02040503050406030204" pitchFamily="18" charset="0"/>
-                              <a:ea typeface="Times New Roman" panose="02020603050405020304" pitchFamily="18" charset="0"/>
-                              <a:cs typeface="Times New Roman" panose="02020603050405020304" pitchFamily="18" charset="0"/>
-                            </a:rPr>
-                          </m:ctrlPr>
-                        </m:sSubPr>
-                        <m:e>
-                          <m:r>
-                            <a:rPr lang="en-US" b="1" i="1">
-                              <a:latin typeface="Cambria Math" panose="02040503050406030204" pitchFamily="18" charset="0"/>
-                              <a:ea typeface="Times New Roman" panose="02020603050405020304" pitchFamily="18" charset="0"/>
-                              <a:cs typeface="Times New Roman" panose="02020603050405020304" pitchFamily="18" charset="0"/>
-                            </a:rPr>
-                            <m:t>𝑿</m:t>
-                          </m:r>
-                        </m:e>
-                        <m:sub>
-                          <m:r>
-                            <a:rPr lang="en-US" b="1" i="1">
-                              <a:latin typeface="Cambria Math" panose="02040503050406030204" pitchFamily="18" charset="0"/>
-                              <a:ea typeface="Times New Roman" panose="02020603050405020304" pitchFamily="18" charset="0"/>
-                              <a:cs typeface="Times New Roman" panose="02020603050405020304" pitchFamily="18" charset="0"/>
-                            </a:rPr>
-                            <m:t>𝒊</m:t>
-                          </m:r>
-                          <m:r>
-                            <a:rPr lang="en-US" b="1" i="1">
-                              <a:latin typeface="Cambria Math" panose="02040503050406030204" pitchFamily="18" charset="0"/>
-                              <a:ea typeface="Times New Roman" panose="02020603050405020304" pitchFamily="18" charset="0"/>
-                              <a:cs typeface="Times New Roman" panose="02020603050405020304" pitchFamily="18" charset="0"/>
-                            </a:rPr>
-                            <m:t>,</m:t>
-                          </m:r>
-                          <m:r>
-                            <a:rPr lang="en-US" b="1" i="1">
-                              <a:latin typeface="Cambria Math" panose="02040503050406030204" pitchFamily="18" charset="0"/>
-                              <a:ea typeface="Times New Roman" panose="02020603050405020304" pitchFamily="18" charset="0"/>
-                              <a:cs typeface="Times New Roman" panose="02020603050405020304" pitchFamily="18" charset="0"/>
-                            </a:rPr>
-                            <m:t>𝒋</m:t>
-                          </m:r>
-                        </m:sub>
-                      </m:sSub>
-                      <m:r>
-                        <a:rPr lang="en-US" b="1">
-                          <a:latin typeface="Cambria Math" panose="02040503050406030204" pitchFamily="18" charset="0"/>
-                          <a:ea typeface="Times New Roman" panose="02020603050405020304" pitchFamily="18" charset="0"/>
-                          <a:cs typeface="Times New Roman" panose="02020603050405020304" pitchFamily="18" charset="0"/>
-                        </a:rPr>
+                        <a:rPr lang="en-US" b="1"/>
                         <m:t> </m:t>
                       </m:r>
                       <m:r>
-                        <a:rPr lang="en-US" b="1" i="1">
-                          <a:latin typeface="Cambria Math" panose="02040503050406030204" pitchFamily="18" charset="0"/>
-                          <a:ea typeface="Times New Roman" panose="02020603050405020304" pitchFamily="18" charset="0"/>
-                          <a:cs typeface="Times New Roman" panose="02020603050405020304" pitchFamily="18" charset="0"/>
-                        </a:rPr>
+                        <a:rPr lang="en-US" b="1" i="1"/>
                         <m:t>𝒋</m:t>
                       </m:r>
                       <m:r>
-                        <a:rPr lang="en-US" b="1">
-                          <a:latin typeface="Cambria Math" panose="02040503050406030204" pitchFamily="18" charset="0"/>
-                          <a:ea typeface="Times New Roman" panose="02020603050405020304" pitchFamily="18" charset="0"/>
-                          <a:cs typeface="Times New Roman" panose="02020603050405020304" pitchFamily="18" charset="0"/>
-                        </a:rPr>
-                        <m:t> ∈</m:t>
-                      </m:r>
-                      <m:r>
-                        <a:rPr lang="en-US" b="1" i="1">
-                          <a:latin typeface="Cambria Math" panose="02040503050406030204" pitchFamily="18" charset="0"/>
-                          <a:ea typeface="Times New Roman" panose="02020603050405020304" pitchFamily="18" charset="0"/>
-                          <a:cs typeface="Times New Roman" panose="02020603050405020304" pitchFamily="18" charset="0"/>
-                        </a:rPr>
+                        <a:rPr lang="en-US" b="1"/>
+                        <m:t>∉</m:t>
+                      </m:r>
+                      <m:r>
+                        <a:rPr lang="en-US" b="1" i="1"/>
                         <m:t>𝑽𝒊𝒔𝒊𝒃𝒊𝒍𝒊𝒕𝒚</m:t>
                       </m:r>
                       <m:r>
-                        <a:rPr lang="en-US" b="1">
-                          <a:latin typeface="Cambria Math" panose="02040503050406030204" pitchFamily="18" charset="0"/>
-                          <a:ea typeface="Times New Roman" panose="02020603050405020304" pitchFamily="18" charset="0"/>
-                          <a:cs typeface="Times New Roman" panose="02020603050405020304" pitchFamily="18" charset="0"/>
-                        </a:rPr>
+                        <a:rPr lang="en-US" b="1"/>
                         <m:t> ∀</m:t>
                       </m:r>
                       <m:r>
-                        <a:rPr lang="en-US" b="1" i="1">
-                          <a:latin typeface="Cambria Math" panose="02040503050406030204" pitchFamily="18" charset="0"/>
-                          <a:ea typeface="Times New Roman" panose="02020603050405020304" pitchFamily="18" charset="0"/>
-                          <a:cs typeface="Times New Roman" panose="02020603050405020304" pitchFamily="18" charset="0"/>
-                        </a:rPr>
+                        <a:rPr lang="en-US" b="1" i="1"/>
                         <m:t>𝒊</m:t>
                       </m:r>
                     </m:oMath>
                   </m:oMathPara>
                 </a14:m>
-                <a:endParaRPr lang="en-US" dirty="0">
-                  <a:latin typeface="Calibri" panose="020F0502020204030204" pitchFamily="34" charset="0"/>
-                  <a:ea typeface="Calibri" panose="020F0502020204030204" pitchFamily="34" charset="0"/>
-                  <a:cs typeface="Times New Roman" panose="02020603050405020304" pitchFamily="18" charset="0"/>
-                </a:endParaRPr>
+                <a:endParaRPr lang="en-US" dirty="0"/>
               </a:p>
               <a:p>
                 <a14:m>
@@ -6627,147 +6061,227 @@
                     </m:oMathParaPr>
                     <m:oMath xmlns:m="http://schemas.openxmlformats.org/officeDocument/2006/math">
                       <m:r>
-                        <a:rPr lang="en-US" b="1" i="1">
-                          <a:latin typeface="Cambria Math" panose="02040503050406030204" pitchFamily="18" charset="0"/>
-                          <a:ea typeface="Times New Roman" panose="02020603050405020304" pitchFamily="18" charset="0"/>
-                          <a:cs typeface="Times New Roman" panose="02020603050405020304" pitchFamily="18" charset="0"/>
-                        </a:rPr>
+                        <a:rPr lang="en-US" b="1" i="1"/>
                         <m:t>𝑺</m:t>
                       </m:r>
                       <m:sSub>
                         <m:sSubPr>
                           <m:ctrlPr>
-                            <a:rPr lang="en-US" b="1" i="1">
-                              <a:latin typeface="Cambria Math" panose="02040503050406030204" pitchFamily="18" charset="0"/>
-                              <a:ea typeface="Times New Roman" panose="02020603050405020304" pitchFamily="18" charset="0"/>
-                              <a:cs typeface="Times New Roman" panose="02020603050405020304" pitchFamily="18" charset="0"/>
-                            </a:rPr>
+                            <a:rPr lang="en-US" b="1" i="1"/>
                           </m:ctrlPr>
                         </m:sSubPr>
                         <m:e>
                           <m:r>
-                            <a:rPr lang="en-US" b="1" i="1">
-                              <a:latin typeface="Cambria Math" panose="02040503050406030204" pitchFamily="18" charset="0"/>
-                              <a:ea typeface="Times New Roman" panose="02020603050405020304" pitchFamily="18" charset="0"/>
-                              <a:cs typeface="Times New Roman" panose="02020603050405020304" pitchFamily="18" charset="0"/>
-                            </a:rPr>
+                            <a:rPr lang="en-US" b="1" i="1"/>
                             <m:t>𝑴</m:t>
                           </m:r>
                         </m:e>
                         <m:sub>
                           <m:r>
-                            <a:rPr lang="en-US" b="1" i="1">
-                              <a:latin typeface="Cambria Math" panose="02040503050406030204" pitchFamily="18" charset="0"/>
-                              <a:ea typeface="Times New Roman" panose="02020603050405020304" pitchFamily="18" charset="0"/>
-                              <a:cs typeface="Times New Roman" panose="02020603050405020304" pitchFamily="18" charset="0"/>
-                            </a:rPr>
+                            <a:rPr lang="en-US" b="1" i="1"/>
                             <m:t>𝒊</m:t>
                           </m:r>
                           <m:r>
-                            <a:rPr lang="en-US" b="1" i="1">
-                              <a:latin typeface="Cambria Math" panose="02040503050406030204" pitchFamily="18" charset="0"/>
-                              <a:ea typeface="Times New Roman" panose="02020603050405020304" pitchFamily="18" charset="0"/>
-                              <a:cs typeface="Times New Roman" panose="02020603050405020304" pitchFamily="18" charset="0"/>
-                            </a:rPr>
+                            <a:rPr lang="en-US" b="1" i="1"/>
                             <m:t>,</m:t>
                           </m:r>
                           <m:r>
-                            <a:rPr lang="en-US" b="1" i="1">
-                              <a:latin typeface="Cambria Math" panose="02040503050406030204" pitchFamily="18" charset="0"/>
-                              <a:ea typeface="Times New Roman" panose="02020603050405020304" pitchFamily="18" charset="0"/>
-                              <a:cs typeface="Times New Roman" panose="02020603050405020304" pitchFamily="18" charset="0"/>
-                            </a:rPr>
+                            <a:rPr lang="en-US" b="1" i="1"/>
                             <m:t>𝒋</m:t>
                           </m:r>
                         </m:sub>
                       </m:sSub>
                       <m:r>
-                        <a:rPr lang="en-US" b="1">
-                          <a:latin typeface="Cambria Math" panose="02040503050406030204" pitchFamily="18" charset="0"/>
-                          <a:ea typeface="Times New Roman" panose="02020603050405020304" pitchFamily="18" charset="0"/>
-                          <a:cs typeface="Times New Roman" panose="02020603050405020304" pitchFamily="18" charset="0"/>
-                        </a:rPr>
-                        <m:t>≥</m:t>
-                      </m:r>
-                      <m:r>
-                        <a:rPr lang="en-US" b="1" i="1">
-                          <a:latin typeface="Cambria Math" panose="02040503050406030204" pitchFamily="18" charset="0"/>
-                          <a:ea typeface="Times New Roman" panose="02020603050405020304" pitchFamily="18" charset="0"/>
-                          <a:cs typeface="Times New Roman" panose="02020603050405020304" pitchFamily="18" charset="0"/>
-                        </a:rPr>
-                        <m:t>𝟎</m:t>
-                      </m:r>
-                      <m:r>
-                        <a:rPr lang="en-US" b="1">
-                          <a:latin typeface="Cambria Math" panose="02040503050406030204" pitchFamily="18" charset="0"/>
-                          <a:ea typeface="Times New Roman" panose="02020603050405020304" pitchFamily="18" charset="0"/>
-                          <a:cs typeface="Times New Roman" panose="02020603050405020304" pitchFamily="18" charset="0"/>
-                        </a:rPr>
+                        <a:rPr lang="en-US" b="1" i="1"/>
+                        <m:t>+</m:t>
+                      </m:r>
+                      <m:sSub>
+                        <m:sSubPr>
+                          <m:ctrlPr>
+                            <a:rPr lang="en-US" b="1" i="1"/>
+                          </m:ctrlPr>
+                        </m:sSubPr>
+                        <m:e>
+                          <m:r>
+                            <a:rPr lang="en-US" b="1" i="1"/>
+                            <m:t>𝒒</m:t>
+                          </m:r>
+                        </m:e>
+                        <m:sub>
+                          <m:r>
+                            <a:rPr lang="en-US" b="1" i="1"/>
+                            <m:t>𝒊</m:t>
+                          </m:r>
+                        </m:sub>
+                      </m:sSub>
+                      <m:r>
+                        <a:rPr lang="en-US" b="1" i="1"/>
+                        <m:t>+</m:t>
+                      </m:r>
+                      <m:sSub>
+                        <m:sSubPr>
+                          <m:ctrlPr>
+                            <a:rPr lang="en-US" b="1" i="1"/>
+                          </m:ctrlPr>
+                        </m:sSubPr>
+                        <m:e>
+                          <m:r>
+                            <a:rPr lang="en-US" b="1" i="1"/>
+                            <m:t>𝒓</m:t>
+                          </m:r>
+                        </m:e>
+                        <m:sub>
+                          <m:r>
+                            <a:rPr lang="en-US" b="1" i="1"/>
+                            <m:t>𝒊</m:t>
+                          </m:r>
+                        </m:sub>
+                      </m:sSub>
+                      <m:r>
+                        <a:rPr lang="en-US" b="1" i="1"/>
+                        <m:t>=</m:t>
+                      </m:r>
+                      <m:r>
+                        <a:rPr lang="en-US" b="1" i="1"/>
+                        <m:t>𝑴</m:t>
+                      </m:r>
+                      <m:sSub>
+                        <m:sSubPr>
+                          <m:ctrlPr>
+                            <a:rPr lang="en-US" b="1" i="1"/>
+                          </m:ctrlPr>
+                        </m:sSubPr>
+                        <m:e>
+                          <m:r>
+                            <a:rPr lang="en-US" b="1" i="1"/>
+                            <m:t>𝑿</m:t>
+                          </m:r>
+                        </m:e>
+                        <m:sub>
+                          <m:r>
+                            <a:rPr lang="en-US" b="1" i="1"/>
+                            <m:t>𝒊</m:t>
+                          </m:r>
+                          <m:r>
+                            <a:rPr lang="en-US" b="1" i="1"/>
+                            <m:t>,</m:t>
+                          </m:r>
+                          <m:r>
+                            <a:rPr lang="en-US" b="1" i="1"/>
+                            <m:t>𝒋</m:t>
+                          </m:r>
+                        </m:sub>
+                      </m:sSub>
+                      <m:r>
+                        <a:rPr lang="en-US" b="1"/>
                         <m:t> </m:t>
                       </m:r>
                       <m:r>
-                        <a:rPr lang="en-US" b="1" i="1">
-                          <a:latin typeface="Cambria Math" panose="02040503050406030204" pitchFamily="18" charset="0"/>
-                          <a:ea typeface="Times New Roman" panose="02020603050405020304" pitchFamily="18" charset="0"/>
-                          <a:cs typeface="Times New Roman" panose="02020603050405020304" pitchFamily="18" charset="0"/>
-                        </a:rPr>
+                        <a:rPr lang="en-US" b="1" i="1"/>
                         <m:t>𝒋</m:t>
                       </m:r>
                       <m:r>
-                        <a:rPr lang="en-US" b="1">
-                          <a:latin typeface="Cambria Math" panose="02040503050406030204" pitchFamily="18" charset="0"/>
-                          <a:ea typeface="Times New Roman" panose="02020603050405020304" pitchFamily="18" charset="0"/>
-                          <a:cs typeface="Times New Roman" panose="02020603050405020304" pitchFamily="18" charset="0"/>
-                        </a:rPr>
-                        <m:t>∈</m:t>
-                      </m:r>
-                      <m:r>
-                        <a:rPr lang="en-US" b="1" i="1">
-                          <a:latin typeface="Cambria Math" panose="02040503050406030204" pitchFamily="18" charset="0"/>
-                          <a:ea typeface="Times New Roman" panose="02020603050405020304" pitchFamily="18" charset="0"/>
-                          <a:cs typeface="Times New Roman" panose="02020603050405020304" pitchFamily="18" charset="0"/>
-                        </a:rPr>
+                        <a:rPr lang="en-US" b="1"/>
+                        <m:t> ∈</m:t>
+                      </m:r>
+                      <m:r>
+                        <a:rPr lang="en-US" b="1" i="1"/>
                         <m:t>𝑽𝒊𝒔𝒊𝒃𝒊𝒍𝒊𝒕𝒚</m:t>
                       </m:r>
                       <m:r>
-                        <a:rPr lang="en-US" b="1">
-                          <a:latin typeface="Cambria Math" panose="02040503050406030204" pitchFamily="18" charset="0"/>
-                          <a:ea typeface="Times New Roman" panose="02020603050405020304" pitchFamily="18" charset="0"/>
-                          <a:cs typeface="Times New Roman" panose="02020603050405020304" pitchFamily="18" charset="0"/>
-                        </a:rPr>
+                        <a:rPr lang="en-US" b="1"/>
                         <m:t> ∀</m:t>
                       </m:r>
                       <m:r>
-                        <a:rPr lang="en-US" b="1" i="1">
-                          <a:latin typeface="Cambria Math" panose="02040503050406030204" pitchFamily="18" charset="0"/>
-                          <a:ea typeface="Times New Roman" panose="02020603050405020304" pitchFamily="18" charset="0"/>
-                          <a:cs typeface="Times New Roman" panose="02020603050405020304" pitchFamily="18" charset="0"/>
-                        </a:rPr>
+                        <a:rPr lang="en-US" b="1" i="1"/>
                         <m:t>𝒊</m:t>
                       </m:r>
                     </m:oMath>
                   </m:oMathPara>
                 </a14:m>
-                <a:endParaRPr lang="en-US" dirty="0">
-                  <a:latin typeface="Calibri" panose="020F0502020204030204" pitchFamily="34" charset="0"/>
-                  <a:ea typeface="Calibri" panose="020F0502020204030204" pitchFamily="34" charset="0"/>
-                  <a:cs typeface="Times New Roman" panose="02020603050405020304" pitchFamily="18" charset="0"/>
-                </a:endParaRPr>
+                <a:endParaRPr lang="en-US" dirty="0"/>
+              </a:p>
+              <a:p>
+                <a14:m>
+                  <m:oMathPara xmlns:m="http://schemas.openxmlformats.org/officeDocument/2006/math">
+                    <m:oMathParaPr>
+                      <m:jc m:val="centerGroup"/>
+                    </m:oMathParaPr>
+                    <m:oMath xmlns:m="http://schemas.openxmlformats.org/officeDocument/2006/math">
+                      <m:r>
+                        <a:rPr lang="en-US" b="1" i="1"/>
+                        <m:t>𝑺</m:t>
+                      </m:r>
+                      <m:sSub>
+                        <m:sSubPr>
+                          <m:ctrlPr>
+                            <a:rPr lang="en-US" b="1" i="1"/>
+                          </m:ctrlPr>
+                        </m:sSubPr>
+                        <m:e>
+                          <m:r>
+                            <a:rPr lang="en-US" b="1" i="1"/>
+                            <m:t>𝑴</m:t>
+                          </m:r>
+                        </m:e>
+                        <m:sub>
+                          <m:r>
+                            <a:rPr lang="en-US" b="1" i="1"/>
+                            <m:t>𝒊</m:t>
+                          </m:r>
+                          <m:r>
+                            <a:rPr lang="en-US" b="1" i="1"/>
+                            <m:t>,</m:t>
+                          </m:r>
+                          <m:r>
+                            <a:rPr lang="en-US" b="1" i="1"/>
+                            <m:t>𝒋</m:t>
+                          </m:r>
+                        </m:sub>
+                      </m:sSub>
+                      <m:r>
+                        <a:rPr lang="en-US" b="1"/>
+                        <m:t>≥</m:t>
+                      </m:r>
+                      <m:r>
+                        <a:rPr lang="en-US" b="1" i="1"/>
+                        <m:t>𝟎</m:t>
+                      </m:r>
+                      <m:r>
+                        <a:rPr lang="en-US" b="1"/>
+                        <m:t> </m:t>
+                      </m:r>
+                      <m:r>
+                        <a:rPr lang="en-US" b="1" i="1"/>
+                        <m:t>𝒋</m:t>
+                      </m:r>
+                      <m:r>
+                        <a:rPr lang="en-US" b="1"/>
+                        <m:t>∈</m:t>
+                      </m:r>
+                      <m:r>
+                        <a:rPr lang="en-US" b="1" i="1"/>
+                        <m:t>𝑽𝒊𝒔𝒊𝒃𝒊𝒍𝒊𝒕𝒚</m:t>
+                      </m:r>
+                      <m:r>
+                        <a:rPr lang="en-US" b="1"/>
+                        <m:t> ∀</m:t>
+                      </m:r>
+                      <m:r>
+                        <a:rPr lang="en-US" b="1" i="1"/>
+                        <m:t>𝒊</m:t>
+                      </m:r>
+                    </m:oMath>
+                  </m:oMathPara>
+                </a14:m>
+                <a:endParaRPr lang="en-US" dirty="0"/>
               </a:p>
               <a:p>
                 <a:r>
-                  <a:rPr lang="en-US" b="1" dirty="0">
-                    <a:latin typeface="Times" pitchFamily="2" charset="0"/>
-                    <a:ea typeface="Times New Roman" panose="02020603050405020304" pitchFamily="18" charset="0"/>
-                    <a:cs typeface="Times New Roman" panose="02020603050405020304" pitchFamily="18" charset="0"/>
-                  </a:rPr>
+                  <a:rPr lang="en-US" b="1" dirty="0"/>
                   <a:t> </a:t>
                 </a:r>
-                <a:endParaRPr lang="en-US" dirty="0">
-                  <a:latin typeface="Calibri" panose="020F0502020204030204" pitchFamily="34" charset="0"/>
-                  <a:ea typeface="Calibri" panose="020F0502020204030204" pitchFamily="34" charset="0"/>
-                  <a:cs typeface="Times New Roman" panose="02020603050405020304" pitchFamily="18" charset="0"/>
-                </a:endParaRPr>
+                <a:endParaRPr lang="en-US" dirty="0"/>
               </a:p>
               <a:p>
                 <a14:m>
@@ -6780,49 +6294,29 @@
                         <m:accPr>
                           <m:chr m:val="̂"/>
                           <m:ctrlPr>
-                            <a:rPr lang="en-US" b="1" i="1">
-                              <a:latin typeface="Cambria Math" panose="02040503050406030204" pitchFamily="18" charset="0"/>
-                              <a:ea typeface="Times New Roman" panose="02020603050405020304" pitchFamily="18" charset="0"/>
-                              <a:cs typeface="Times New Roman" panose="02020603050405020304" pitchFamily="18" charset="0"/>
-                            </a:rPr>
+                            <a:rPr lang="en-US" b="1" i="1"/>
                           </m:ctrlPr>
                         </m:accPr>
                         <m:e>
                           <m:r>
-                            <a:rPr lang="en-US" b="1" i="1">
-                              <a:latin typeface="Cambria Math" panose="02040503050406030204" pitchFamily="18" charset="0"/>
-                              <a:ea typeface="Times New Roman" panose="02020603050405020304" pitchFamily="18" charset="0"/>
-                              <a:cs typeface="Times New Roman" panose="02020603050405020304" pitchFamily="18" charset="0"/>
-                            </a:rPr>
+                            <a:rPr lang="en-US" b="1" i="1"/>
                             <m:t>𝑫𝒆𝒎𝒂𝒏</m:t>
                           </m:r>
                           <m:sSub>
                             <m:sSubPr>
                               <m:ctrlPr>
-                                <a:rPr lang="en-US" b="1" i="1">
-                                  <a:latin typeface="Cambria Math" panose="02040503050406030204" pitchFamily="18" charset="0"/>
-                                  <a:ea typeface="Times New Roman" panose="02020603050405020304" pitchFamily="18" charset="0"/>
-                                  <a:cs typeface="Times New Roman" panose="02020603050405020304" pitchFamily="18" charset="0"/>
-                                </a:rPr>
+                                <a:rPr lang="en-US" b="1" i="1"/>
                               </m:ctrlPr>
                             </m:sSubPr>
                             <m:e>
                               <m:r>
-                                <a:rPr lang="en-US" b="1" i="1">
-                                  <a:latin typeface="Cambria Math" panose="02040503050406030204" pitchFamily="18" charset="0"/>
-                                  <a:ea typeface="Times New Roman" panose="02020603050405020304" pitchFamily="18" charset="0"/>
-                                  <a:cs typeface="Times New Roman" panose="02020603050405020304" pitchFamily="18" charset="0"/>
-                                </a:rPr>
+                                <a:rPr lang="en-US" b="1" i="1"/>
                                 <m:t>𝒅</m:t>
                               </m:r>
                             </m:e>
                             <m:sub>
                               <m:r>
-                                <a:rPr lang="en-US" b="1" i="1">
-                                  <a:latin typeface="Cambria Math" panose="02040503050406030204" pitchFamily="18" charset="0"/>
-                                  <a:ea typeface="Times New Roman" panose="02020603050405020304" pitchFamily="18" charset="0"/>
-                                  <a:cs typeface="Times New Roman" panose="02020603050405020304" pitchFamily="18" charset="0"/>
-                                </a:rPr>
+                                <a:rPr lang="en-US" b="1" i="1"/>
                                 <m:t>𝒊</m:t>
                               </m:r>
                             </m:sub>
@@ -6830,60 +6324,36 @@
                         </m:e>
                       </m:acc>
                       <m:r>
-                        <a:rPr lang="en-US" b="1" i="1">
-                          <a:latin typeface="Cambria Math" panose="02040503050406030204" pitchFamily="18" charset="0"/>
-                          <a:ea typeface="Times New Roman" panose="02020603050405020304" pitchFamily="18" charset="0"/>
-                          <a:cs typeface="Times New Roman" panose="02020603050405020304" pitchFamily="18" charset="0"/>
-                        </a:rPr>
+                        <a:rPr lang="en-US" b="1" i="1"/>
                         <m:t>=</m:t>
                       </m:r>
                       <m:sSub>
                         <m:sSubPr>
                           <m:ctrlPr>
-                            <a:rPr lang="en-US" b="1" i="1">
-                              <a:latin typeface="Cambria Math" panose="02040503050406030204" pitchFamily="18" charset="0"/>
-                              <a:ea typeface="Times New Roman" panose="02020603050405020304" pitchFamily="18" charset="0"/>
-                              <a:cs typeface="Times New Roman" panose="02020603050405020304" pitchFamily="18" charset="0"/>
-                            </a:rPr>
+                            <a:rPr lang="en-US" b="1" i="1"/>
                           </m:ctrlPr>
                         </m:sSubPr>
                         <m:e>
                           <m:r>
-                            <a:rPr lang="en-US" b="1" i="1">
-                              <a:latin typeface="Cambria Math" panose="02040503050406030204" pitchFamily="18" charset="0"/>
-                              <a:ea typeface="Times New Roman" panose="02020603050405020304" pitchFamily="18" charset="0"/>
-                              <a:cs typeface="Times New Roman" panose="02020603050405020304" pitchFamily="18" charset="0"/>
-                            </a:rPr>
+                            <a:rPr lang="en-US" b="1" i="1"/>
                             <m:t>𝛃</m:t>
                           </m:r>
                         </m:e>
                         <m:sub>
                           <m:r>
-                            <a:rPr lang="en-US" b="1" i="1">
-                              <a:latin typeface="Cambria Math" panose="02040503050406030204" pitchFamily="18" charset="0"/>
-                              <a:ea typeface="Times New Roman" panose="02020603050405020304" pitchFamily="18" charset="0"/>
-                              <a:cs typeface="Times New Roman" panose="02020603050405020304" pitchFamily="18" charset="0"/>
-                            </a:rPr>
+                            <a:rPr lang="en-US" b="1" i="1"/>
                             <m:t>𝟎</m:t>
                           </m:r>
                         </m:sub>
                       </m:sSub>
                       <m:r>
-                        <a:rPr lang="en-US" b="1" i="1">
-                          <a:latin typeface="Cambria Math" panose="02040503050406030204" pitchFamily="18" charset="0"/>
-                          <a:ea typeface="Times New Roman" panose="02020603050405020304" pitchFamily="18" charset="0"/>
-                          <a:cs typeface="Times New Roman" panose="02020603050405020304" pitchFamily="18" charset="0"/>
-                        </a:rPr>
+                        <a:rPr lang="en-US" b="1" i="1"/>
                         <m:t>+</m:t>
                       </m:r>
                       <m:sSup>
                         <m:sSupPr>
                           <m:ctrlPr>
-                            <a:rPr lang="en-US" b="1" i="1">
-                              <a:latin typeface="Cambria Math" panose="02040503050406030204" pitchFamily="18" charset="0"/>
-                              <a:ea typeface="Times New Roman" panose="02020603050405020304" pitchFamily="18" charset="0"/>
-                              <a:cs typeface="Times New Roman" panose="02020603050405020304" pitchFamily="18" charset="0"/>
-                            </a:rPr>
+                            <a:rPr lang="en-US" b="1" i="1"/>
                           </m:ctrlPr>
                         </m:sSupPr>
                         <m:e>
@@ -6891,41 +6361,25 @@
                             <m:accPr>
                               <m:chr m:val="̂"/>
                               <m:ctrlPr>
-                                <a:rPr lang="en-US" b="1" i="1">
-                                  <a:latin typeface="Cambria Math" panose="02040503050406030204" pitchFamily="18" charset="0"/>
-                                  <a:ea typeface="Times New Roman" panose="02020603050405020304" pitchFamily="18" charset="0"/>
-                                  <a:cs typeface="Times New Roman" panose="02020603050405020304" pitchFamily="18" charset="0"/>
-                                </a:rPr>
+                                <a:rPr lang="en-US" b="1" i="1"/>
                               </m:ctrlPr>
                             </m:accPr>
                             <m:e>
                               <m:sSub>
                                 <m:sSubPr>
                                   <m:ctrlPr>
-                                    <a:rPr lang="en-US" b="1" i="1">
-                                      <a:latin typeface="Cambria Math" panose="02040503050406030204" pitchFamily="18" charset="0"/>
-                                      <a:ea typeface="Times New Roman" panose="02020603050405020304" pitchFamily="18" charset="0"/>
-                                      <a:cs typeface="Times New Roman" panose="02020603050405020304" pitchFamily="18" charset="0"/>
-                                    </a:rPr>
+                                    <a:rPr lang="en-US" b="1" i="1"/>
                                   </m:ctrlPr>
                                 </m:sSubPr>
                                 <m:e>
                                   <m:r>
-                                    <a:rPr lang="en-US" b="1" i="1">
-                                      <a:latin typeface="Cambria Math" panose="02040503050406030204" pitchFamily="18" charset="0"/>
-                                      <a:ea typeface="Times New Roman" panose="02020603050405020304" pitchFamily="18" charset="0"/>
-                                      <a:cs typeface="Times New Roman" panose="02020603050405020304" pitchFamily="18" charset="0"/>
-                                    </a:rPr>
+                                    <a:rPr lang="en-US" b="1" i="1"/>
                                     <m:t>𝛃</m:t>
                                   </m:r>
                                 </m:e>
                                 <m:sub>
                                   <m:r>
-                                    <a:rPr lang="en-US" b="1" i="1">
-                                      <a:latin typeface="Cambria Math" panose="02040503050406030204" pitchFamily="18" charset="0"/>
-                                      <a:ea typeface="Times New Roman" panose="02020603050405020304" pitchFamily="18" charset="0"/>
-                                      <a:cs typeface="Times New Roman" panose="02020603050405020304" pitchFamily="18" charset="0"/>
-                                    </a:rPr>
+                                    <a:rPr lang="en-US" b="1" i="1"/>
                                     <m:t>𝒋</m:t>
                                   </m:r>
                                 </m:sub>
@@ -6935,118 +6389,66 @@
                         </m:e>
                         <m:sup>
                           <m:r>
-                            <a:rPr lang="en-US" b="1" i="1">
-                              <a:latin typeface="Cambria Math" panose="02040503050406030204" pitchFamily="18" charset="0"/>
-                              <a:ea typeface="Times New Roman" panose="02020603050405020304" pitchFamily="18" charset="0"/>
-                              <a:cs typeface="Times New Roman" panose="02020603050405020304" pitchFamily="18" charset="0"/>
-                            </a:rPr>
+                            <a:rPr lang="en-US" b="1" i="1"/>
                             <m:t>′</m:t>
                           </m:r>
                         </m:sup>
                       </m:sSup>
                       <m:r>
-                        <a:rPr lang="en-US" b="1" i="1">
-                          <a:latin typeface="Cambria Math" panose="02040503050406030204" pitchFamily="18" charset="0"/>
-                          <a:ea typeface="Times New Roman" panose="02020603050405020304" pitchFamily="18" charset="0"/>
-                          <a:cs typeface="Times New Roman" panose="02020603050405020304" pitchFamily="18" charset="0"/>
-                        </a:rPr>
+                        <a:rPr lang="en-US" b="1" i="1"/>
                         <m:t>∗</m:t>
                       </m:r>
                       <m:r>
-                        <a:rPr lang="en-US" b="1" i="1">
-                          <a:latin typeface="Cambria Math" panose="02040503050406030204" pitchFamily="18" charset="0"/>
-                          <a:ea typeface="Times New Roman" panose="02020603050405020304" pitchFamily="18" charset="0"/>
-                          <a:cs typeface="Times New Roman" panose="02020603050405020304" pitchFamily="18" charset="0"/>
-                        </a:rPr>
+                        <a:rPr lang="en-US" b="1" i="1"/>
                         <m:t>𝑴</m:t>
                       </m:r>
                       <m:sSub>
                         <m:sSubPr>
                           <m:ctrlPr>
-                            <a:rPr lang="en-US" b="1" i="1">
-                              <a:latin typeface="Cambria Math" panose="02040503050406030204" pitchFamily="18" charset="0"/>
-                              <a:ea typeface="Times New Roman" panose="02020603050405020304" pitchFamily="18" charset="0"/>
-                              <a:cs typeface="Times New Roman" panose="02020603050405020304" pitchFamily="18" charset="0"/>
-                            </a:rPr>
+                            <a:rPr lang="en-US" b="1" i="1"/>
                           </m:ctrlPr>
                         </m:sSubPr>
                         <m:e>
                           <m:r>
-                            <a:rPr lang="en-US" b="1" i="1">
-                              <a:latin typeface="Cambria Math" panose="02040503050406030204" pitchFamily="18" charset="0"/>
-                              <a:ea typeface="Times New Roman" panose="02020603050405020304" pitchFamily="18" charset="0"/>
-                              <a:cs typeface="Times New Roman" panose="02020603050405020304" pitchFamily="18" charset="0"/>
-                            </a:rPr>
+                            <a:rPr lang="en-US" b="1" i="1"/>
                             <m:t>𝑿</m:t>
                           </m:r>
                         </m:e>
                         <m:sub>
                           <m:r>
-                            <a:rPr lang="en-US" b="1" i="1">
-                              <a:latin typeface="Cambria Math" panose="02040503050406030204" pitchFamily="18" charset="0"/>
-                              <a:ea typeface="Times New Roman" panose="02020603050405020304" pitchFamily="18" charset="0"/>
-                              <a:cs typeface="Times New Roman" panose="02020603050405020304" pitchFamily="18" charset="0"/>
-                            </a:rPr>
+                            <a:rPr lang="en-US" b="1" i="1"/>
                             <m:t>𝒊</m:t>
                           </m:r>
                           <m:r>
-                            <a:rPr lang="en-US" b="1" i="1">
-                              <a:latin typeface="Cambria Math" panose="02040503050406030204" pitchFamily="18" charset="0"/>
-                              <a:ea typeface="Times New Roman" panose="02020603050405020304" pitchFamily="18" charset="0"/>
-                              <a:cs typeface="Times New Roman" panose="02020603050405020304" pitchFamily="18" charset="0"/>
-                            </a:rPr>
+                            <a:rPr lang="en-US" b="1" i="1"/>
                             <m:t>,</m:t>
                           </m:r>
                           <m:r>
-                            <a:rPr lang="en-US" b="1" i="1">
-                              <a:latin typeface="Cambria Math" panose="02040503050406030204" pitchFamily="18" charset="0"/>
-                              <a:ea typeface="Times New Roman" panose="02020603050405020304" pitchFamily="18" charset="0"/>
-                              <a:cs typeface="Times New Roman" panose="02020603050405020304" pitchFamily="18" charset="0"/>
-                            </a:rPr>
+                            <a:rPr lang="en-US" b="1" i="1"/>
                             <m:t>𝒋</m:t>
                           </m:r>
                         </m:sub>
                       </m:sSub>
                       <m:r>
-                        <a:rPr lang="en-US" b="1">
-                          <a:latin typeface="Cambria Math" panose="02040503050406030204" pitchFamily="18" charset="0"/>
-                          <a:ea typeface="Times New Roman" panose="02020603050405020304" pitchFamily="18" charset="0"/>
-                          <a:cs typeface="Times New Roman" panose="02020603050405020304" pitchFamily="18" charset="0"/>
-                        </a:rPr>
+                        <a:rPr lang="en-US" b="1"/>
                         <m:t> ∀</m:t>
                       </m:r>
                       <m:r>
-                        <a:rPr lang="en-US" b="1" i="1">
-                          <a:latin typeface="Cambria Math" panose="02040503050406030204" pitchFamily="18" charset="0"/>
-                          <a:ea typeface="Times New Roman" panose="02020603050405020304" pitchFamily="18" charset="0"/>
-                          <a:cs typeface="Times New Roman" panose="02020603050405020304" pitchFamily="18" charset="0"/>
-                        </a:rPr>
+                        <a:rPr lang="en-US" b="1" i="1"/>
                         <m:t>𝒊</m:t>
                       </m:r>
                       <m:r>
-                        <a:rPr lang="en-US" b="1" i="1">
-                          <a:latin typeface="Cambria Math" panose="02040503050406030204" pitchFamily="18" charset="0"/>
-                          <a:ea typeface="Times New Roman" panose="02020603050405020304" pitchFamily="18" charset="0"/>
-                          <a:cs typeface="Times New Roman" panose="02020603050405020304" pitchFamily="18" charset="0"/>
-                        </a:rPr>
+                        <a:rPr lang="en-US" b="1" i="1"/>
                         <m:t>,</m:t>
                       </m:r>
                       <m:r>
-                        <a:rPr lang="en-US" b="1" i="1">
-                          <a:latin typeface="Cambria Math" panose="02040503050406030204" pitchFamily="18" charset="0"/>
-                          <a:ea typeface="Times New Roman" panose="02020603050405020304" pitchFamily="18" charset="0"/>
-                          <a:cs typeface="Times New Roman" panose="02020603050405020304" pitchFamily="18" charset="0"/>
-                        </a:rPr>
+                        <a:rPr lang="en-US" b="1" i="1"/>
                         <m:t>𝒋</m:t>
                       </m:r>
                     </m:oMath>
                   </m:oMathPara>
                 </a14:m>
-                <a:endParaRPr lang="en-US" dirty="0">
-                  <a:latin typeface="Calibri" panose="020F0502020204030204" pitchFamily="34" charset="0"/>
-                  <a:ea typeface="Calibri" panose="020F0502020204030204" pitchFamily="34" charset="0"/>
-                  <a:cs typeface="Times New Roman" panose="02020603050405020304" pitchFamily="18" charset="0"/>
-                </a:endParaRPr>
+                <a:endParaRPr lang="en-US" dirty="0"/>
               </a:p>
               <a:p>
                 <a14:m>
@@ -7059,49 +6461,29 @@
                         <m:accPr>
                           <m:chr m:val="̂"/>
                           <m:ctrlPr>
-                            <a:rPr lang="en-US" b="1" i="1">
-                              <a:latin typeface="Cambria Math" panose="02040503050406030204" pitchFamily="18" charset="0"/>
-                              <a:ea typeface="Times New Roman" panose="02020603050405020304" pitchFamily="18" charset="0"/>
-                              <a:cs typeface="Times New Roman" panose="02020603050405020304" pitchFamily="18" charset="0"/>
-                            </a:rPr>
+                            <a:rPr lang="en-US" b="1" i="1"/>
                           </m:ctrlPr>
                         </m:accPr>
                         <m:e>
                           <m:r>
-                            <a:rPr lang="en-US" b="1" i="1">
-                              <a:latin typeface="Cambria Math" panose="02040503050406030204" pitchFamily="18" charset="0"/>
-                              <a:ea typeface="Times New Roman" panose="02020603050405020304" pitchFamily="18" charset="0"/>
-                              <a:cs typeface="Times New Roman" panose="02020603050405020304" pitchFamily="18" charset="0"/>
-                            </a:rPr>
+                            <a:rPr lang="en-US" b="1" i="1"/>
                             <m:t>𝑺𝒂𝒍𝒆</m:t>
                           </m:r>
                           <m:sSub>
                             <m:sSubPr>
                               <m:ctrlPr>
-                                <a:rPr lang="en-US" b="1" i="1">
-                                  <a:latin typeface="Cambria Math" panose="02040503050406030204" pitchFamily="18" charset="0"/>
-                                  <a:ea typeface="Times New Roman" panose="02020603050405020304" pitchFamily="18" charset="0"/>
-                                  <a:cs typeface="Times New Roman" panose="02020603050405020304" pitchFamily="18" charset="0"/>
-                                </a:rPr>
+                                <a:rPr lang="en-US" b="1" i="1"/>
                               </m:ctrlPr>
                             </m:sSubPr>
                             <m:e>
                               <m:r>
-                                <a:rPr lang="en-US" b="1" i="1">
-                                  <a:latin typeface="Cambria Math" panose="02040503050406030204" pitchFamily="18" charset="0"/>
-                                  <a:ea typeface="Times New Roman" panose="02020603050405020304" pitchFamily="18" charset="0"/>
-                                  <a:cs typeface="Times New Roman" panose="02020603050405020304" pitchFamily="18" charset="0"/>
-                                </a:rPr>
+                                <a:rPr lang="en-US" b="1" i="1"/>
                                 <m:t>𝒔</m:t>
                               </m:r>
                             </m:e>
                             <m:sub>
                               <m:r>
-                                <a:rPr lang="en-US" b="1" i="1">
-                                  <a:latin typeface="Cambria Math" panose="02040503050406030204" pitchFamily="18" charset="0"/>
-                                  <a:ea typeface="Times New Roman" panose="02020603050405020304" pitchFamily="18" charset="0"/>
-                                  <a:cs typeface="Times New Roman" panose="02020603050405020304" pitchFamily="18" charset="0"/>
-                                </a:rPr>
+                                <a:rPr lang="en-US" b="1" i="1"/>
                                 <m:t>𝒊</m:t>
                               </m:r>
                             </m:sub>
@@ -7109,107 +6491,63 @@
                         </m:e>
                       </m:acc>
                       <m:r>
-                        <a:rPr lang="en-US" b="1" i="1">
-                          <a:latin typeface="Cambria Math" panose="02040503050406030204" pitchFamily="18" charset="0"/>
-                          <a:ea typeface="Times New Roman" panose="02020603050405020304" pitchFamily="18" charset="0"/>
-                          <a:cs typeface="Times New Roman" panose="02020603050405020304" pitchFamily="18" charset="0"/>
-                        </a:rPr>
+                        <a:rPr lang="en-US" b="1" i="1"/>
                         <m:t>=</m:t>
                       </m:r>
                       <m:r>
-                        <a:rPr lang="en-US" b="1" i="1">
-                          <a:latin typeface="Cambria Math" panose="02040503050406030204" pitchFamily="18" charset="0"/>
-                          <a:ea typeface="Times New Roman" panose="02020603050405020304" pitchFamily="18" charset="0"/>
-                          <a:cs typeface="Times New Roman" panose="02020603050405020304" pitchFamily="18" charset="0"/>
-                        </a:rPr>
+                        <a:rPr lang="en-US" b="1" i="1"/>
                         <m:t>𝑷𝒓𝒊𝒄</m:t>
                       </m:r>
                       <m:sSub>
                         <m:sSubPr>
                           <m:ctrlPr>
-                            <a:rPr lang="en-US" b="1" i="1">
-                              <a:latin typeface="Cambria Math" panose="02040503050406030204" pitchFamily="18" charset="0"/>
-                              <a:ea typeface="Times New Roman" panose="02020603050405020304" pitchFamily="18" charset="0"/>
-                              <a:cs typeface="Times New Roman" panose="02020603050405020304" pitchFamily="18" charset="0"/>
-                            </a:rPr>
+                            <a:rPr lang="en-US" b="1" i="1"/>
                           </m:ctrlPr>
                         </m:sSubPr>
                         <m:e>
                           <m:r>
-                            <a:rPr lang="en-US" b="1" i="1">
-                              <a:latin typeface="Cambria Math" panose="02040503050406030204" pitchFamily="18" charset="0"/>
-                              <a:ea typeface="Times New Roman" panose="02020603050405020304" pitchFamily="18" charset="0"/>
-                              <a:cs typeface="Times New Roman" panose="02020603050405020304" pitchFamily="18" charset="0"/>
-                            </a:rPr>
+                            <a:rPr lang="en-US" b="1" i="1"/>
                             <m:t>𝒆</m:t>
                           </m:r>
                         </m:e>
                         <m:sub>
                           <m:r>
-                            <a:rPr lang="en-US" b="1" i="1">
-                              <a:latin typeface="Cambria Math" panose="02040503050406030204" pitchFamily="18" charset="0"/>
-                              <a:ea typeface="Times New Roman" panose="02020603050405020304" pitchFamily="18" charset="0"/>
-                              <a:cs typeface="Times New Roman" panose="02020603050405020304" pitchFamily="18" charset="0"/>
-                            </a:rPr>
+                            <a:rPr lang="en-US" b="1" i="1"/>
                             <m:t>𝒊</m:t>
                           </m:r>
                         </m:sub>
                       </m:sSub>
                       <m:r>
-                        <a:rPr lang="en-US" b="1" i="1">
-                          <a:latin typeface="Cambria Math" panose="02040503050406030204" pitchFamily="18" charset="0"/>
-                          <a:ea typeface="Times New Roman" panose="02020603050405020304" pitchFamily="18" charset="0"/>
-                          <a:cs typeface="Times New Roman" panose="02020603050405020304" pitchFamily="18" charset="0"/>
-                        </a:rPr>
+                        <a:rPr lang="en-US" b="1" i="1"/>
                         <m:t>∗</m:t>
                       </m:r>
                       <m:acc>
                         <m:accPr>
                           <m:chr m:val="̂"/>
                           <m:ctrlPr>
-                            <a:rPr lang="en-US" b="1" i="1">
-                              <a:latin typeface="Cambria Math" panose="02040503050406030204" pitchFamily="18" charset="0"/>
-                              <a:ea typeface="Times New Roman" panose="02020603050405020304" pitchFamily="18" charset="0"/>
-                              <a:cs typeface="Times New Roman" panose="02020603050405020304" pitchFamily="18" charset="0"/>
-                            </a:rPr>
+                            <a:rPr lang="en-US" b="1" i="1"/>
                           </m:ctrlPr>
                         </m:accPr>
                         <m:e>
                           <m:r>
-                            <a:rPr lang="en-US" b="1" i="1">
-                              <a:latin typeface="Cambria Math" panose="02040503050406030204" pitchFamily="18" charset="0"/>
-                              <a:ea typeface="Times New Roman" panose="02020603050405020304" pitchFamily="18" charset="0"/>
-                              <a:cs typeface="Times New Roman" panose="02020603050405020304" pitchFamily="18" charset="0"/>
-                            </a:rPr>
+                            <a:rPr lang="en-US" b="1" i="1"/>
                             <m:t>𝑫𝒆𝒎𝒂𝒏</m:t>
                           </m:r>
                           <m:sSub>
                             <m:sSubPr>
                               <m:ctrlPr>
-                                <a:rPr lang="en-US" b="1" i="1">
-                                  <a:latin typeface="Cambria Math" panose="02040503050406030204" pitchFamily="18" charset="0"/>
-                                  <a:ea typeface="Times New Roman" panose="02020603050405020304" pitchFamily="18" charset="0"/>
-                                  <a:cs typeface="Times New Roman" panose="02020603050405020304" pitchFamily="18" charset="0"/>
-                                </a:rPr>
+                                <a:rPr lang="en-US" b="1" i="1"/>
                               </m:ctrlPr>
                             </m:sSubPr>
                             <m:e>
                               <m:r>
-                                <a:rPr lang="en-US" b="1" i="1">
-                                  <a:latin typeface="Cambria Math" panose="02040503050406030204" pitchFamily="18" charset="0"/>
-                                  <a:ea typeface="Times New Roman" panose="02020603050405020304" pitchFamily="18" charset="0"/>
-                                  <a:cs typeface="Times New Roman" panose="02020603050405020304" pitchFamily="18" charset="0"/>
-                                </a:rPr>
+                                <a:rPr lang="en-US" b="1" i="1"/>
                                 <m:t>𝒅</m:t>
                               </m:r>
                             </m:e>
                             <m:sub>
                               <m:r>
-                                <a:rPr lang="en-US" b="1" i="1">
-                                  <a:latin typeface="Cambria Math" panose="02040503050406030204" pitchFamily="18" charset="0"/>
-                                  <a:ea typeface="Times New Roman" panose="02020603050405020304" pitchFamily="18" charset="0"/>
-                                  <a:cs typeface="Times New Roman" panose="02020603050405020304" pitchFamily="18" charset="0"/>
-                                </a:rPr>
+                                <a:rPr lang="en-US" b="1" i="1"/>
                                 <m:t>𝒊</m:t>
                               </m:r>
                             </m:sub>
@@ -7217,159 +6555,17 @@
                         </m:e>
                       </m:acc>
                       <m:r>
-                        <a:rPr lang="en-US" b="1">
-                          <a:latin typeface="Cambria Math" panose="02040503050406030204" pitchFamily="18" charset="0"/>
-                          <a:ea typeface="Times New Roman" panose="02020603050405020304" pitchFamily="18" charset="0"/>
-                          <a:cs typeface="Times New Roman" panose="02020603050405020304" pitchFamily="18" charset="0"/>
-                        </a:rPr>
+                        <a:rPr lang="en-US" b="1"/>
                         <m:t> ∀</m:t>
                       </m:r>
                       <m:r>
-                        <a:rPr lang="en-US" b="1" i="1">
-                          <a:latin typeface="Cambria Math" panose="02040503050406030204" pitchFamily="18" charset="0"/>
-                          <a:ea typeface="Times New Roman" panose="02020603050405020304" pitchFamily="18" charset="0"/>
-                          <a:cs typeface="Times New Roman" panose="02020603050405020304" pitchFamily="18" charset="0"/>
-                        </a:rPr>
+                        <a:rPr lang="en-US" b="1" i="1"/>
                         <m:t>𝒊</m:t>
                       </m:r>
                     </m:oMath>
                   </m:oMathPara>
                 </a14:m>
-                <a:endParaRPr lang="en-US" dirty="0">
-                  <a:latin typeface="Calibri" panose="020F0502020204030204" pitchFamily="34" charset="0"/>
-                  <a:ea typeface="Calibri" panose="020F0502020204030204" pitchFamily="34" charset="0"/>
-                  <a:cs typeface="Times New Roman" panose="02020603050405020304" pitchFamily="18" charset="0"/>
-                </a:endParaRPr>
-              </a:p>
-              <a:p>
-                <a:r>
-                  <a:rPr lang="en-US" b="1" dirty="0">
-                    <a:latin typeface="Times" pitchFamily="2" charset="0"/>
-                    <a:ea typeface="Times New Roman" panose="02020603050405020304" pitchFamily="18" charset="0"/>
-                    <a:cs typeface="Times New Roman" panose="02020603050405020304" pitchFamily="18" charset="0"/>
-                  </a:rPr>
-                  <a:t> </a:t>
-                </a:r>
-                <a:endParaRPr lang="en-US" dirty="0">
-                  <a:latin typeface="Calibri" panose="020F0502020204030204" pitchFamily="34" charset="0"/>
-                  <a:ea typeface="Calibri" panose="020F0502020204030204" pitchFamily="34" charset="0"/>
-                  <a:cs typeface="Times New Roman" panose="02020603050405020304" pitchFamily="18" charset="0"/>
-                </a:endParaRPr>
-              </a:p>
-              <a:p>
-                <a:r>
-                  <a:rPr lang="en-US" b="1" dirty="0">
-                    <a:latin typeface="Times" pitchFamily="2" charset="0"/>
-                    <a:ea typeface="Times New Roman" panose="02020603050405020304" pitchFamily="18" charset="0"/>
-                    <a:cs typeface="Times New Roman" panose="02020603050405020304" pitchFamily="18" charset="0"/>
-                  </a:rPr>
-                  <a:t> </a:t>
-                </a:r>
-                <a:endParaRPr lang="en-US" dirty="0">
-                  <a:latin typeface="Calibri" panose="020F0502020204030204" pitchFamily="34" charset="0"/>
-                  <a:ea typeface="Calibri" panose="020F0502020204030204" pitchFamily="34" charset="0"/>
-                  <a:cs typeface="Times New Roman" panose="02020603050405020304" pitchFamily="18" charset="0"/>
-                </a:endParaRPr>
-              </a:p>
-              <a:p>
-                <a:r>
-                  <a:rPr lang="en-US" b="1" dirty="0">
-                    <a:latin typeface="Times" pitchFamily="2" charset="0"/>
-                    <a:ea typeface="Times New Roman" panose="02020603050405020304" pitchFamily="18" charset="0"/>
-                    <a:cs typeface="Times New Roman" panose="02020603050405020304" pitchFamily="18" charset="0"/>
-                  </a:rPr>
-                  <a:t> </a:t>
-                </a:r>
-                <a:endParaRPr lang="en-US" dirty="0">
-                  <a:latin typeface="Calibri" panose="020F0502020204030204" pitchFamily="34" charset="0"/>
-                  <a:ea typeface="Calibri" panose="020F0502020204030204" pitchFamily="34" charset="0"/>
-                  <a:cs typeface="Times New Roman" panose="02020603050405020304" pitchFamily="18" charset="0"/>
-                </a:endParaRPr>
-              </a:p>
-              <a:p>
-                <a:r>
-                  <a:rPr lang="en-US" b="1" dirty="0">
-                    <a:latin typeface="Times" pitchFamily="2" charset="0"/>
-                    <a:ea typeface="Times New Roman" panose="02020603050405020304" pitchFamily="18" charset="0"/>
-                    <a:cs typeface="Times New Roman" panose="02020603050405020304" pitchFamily="18" charset="0"/>
-                  </a:rPr>
-                  <a:t> </a:t>
-                </a:r>
-                <a:endParaRPr lang="en-US" dirty="0">
-                  <a:latin typeface="Calibri" panose="020F0502020204030204" pitchFamily="34" charset="0"/>
-                  <a:ea typeface="Calibri" panose="020F0502020204030204" pitchFamily="34" charset="0"/>
-                  <a:cs typeface="Times New Roman" panose="02020603050405020304" pitchFamily="18" charset="0"/>
-                </a:endParaRPr>
-              </a:p>
-              <a:p>
-                <a:r>
-                  <a:rPr lang="en-US" b="1" dirty="0">
-                    <a:latin typeface="Times" pitchFamily="2" charset="0"/>
-                    <a:ea typeface="Times New Roman" panose="02020603050405020304" pitchFamily="18" charset="0"/>
-                    <a:cs typeface="Times New Roman" panose="02020603050405020304" pitchFamily="18" charset="0"/>
-                  </a:rPr>
-                  <a:t> </a:t>
-                </a:r>
-                <a:endParaRPr lang="en-US" dirty="0">
-                  <a:latin typeface="Calibri" panose="020F0502020204030204" pitchFamily="34" charset="0"/>
-                  <a:ea typeface="Calibri" panose="020F0502020204030204" pitchFamily="34" charset="0"/>
-                  <a:cs typeface="Times New Roman" panose="02020603050405020304" pitchFamily="18" charset="0"/>
-                </a:endParaRPr>
-              </a:p>
-              <a:p>
-                <a:r>
-                  <a:rPr lang="en-US" b="1" dirty="0">
-                    <a:latin typeface="Times" pitchFamily="2" charset="0"/>
-                    <a:ea typeface="Times New Roman" panose="02020603050405020304" pitchFamily="18" charset="0"/>
-                    <a:cs typeface="Times New Roman" panose="02020603050405020304" pitchFamily="18" charset="0"/>
-                  </a:rPr>
-                  <a:t> </a:t>
-                </a:r>
-                <a:endParaRPr lang="en-US" dirty="0">
-                  <a:latin typeface="Calibri" panose="020F0502020204030204" pitchFamily="34" charset="0"/>
-                  <a:ea typeface="Calibri" panose="020F0502020204030204" pitchFamily="34" charset="0"/>
-                  <a:cs typeface="Times New Roman" panose="02020603050405020304" pitchFamily="18" charset="0"/>
-                </a:endParaRPr>
-              </a:p>
-              <a:p>
-                <a:r>
-                  <a:rPr lang="en-US" b="1" dirty="0">
-                    <a:latin typeface="Times" pitchFamily="2" charset="0"/>
-                    <a:ea typeface="Times New Roman" panose="02020603050405020304" pitchFamily="18" charset="0"/>
-                    <a:cs typeface="Times New Roman" panose="02020603050405020304" pitchFamily="18" charset="0"/>
-                  </a:rPr>
-                  <a:t> </a:t>
-                </a:r>
-                <a:endParaRPr lang="en-US" dirty="0">
-                  <a:latin typeface="Calibri" panose="020F0502020204030204" pitchFamily="34" charset="0"/>
-                  <a:ea typeface="Calibri" panose="020F0502020204030204" pitchFamily="34" charset="0"/>
-                  <a:cs typeface="Times New Roman" panose="02020603050405020304" pitchFamily="18" charset="0"/>
-                </a:endParaRPr>
-              </a:p>
-              <a:p>
-                <a:r>
-                  <a:rPr lang="en-US" b="1" dirty="0">
-                    <a:latin typeface="Times" pitchFamily="2" charset="0"/>
-                    <a:ea typeface="Times New Roman" panose="02020603050405020304" pitchFamily="18" charset="0"/>
-                    <a:cs typeface="Times New Roman" panose="02020603050405020304" pitchFamily="18" charset="0"/>
-                  </a:rPr>
-                  <a:t> </a:t>
-                </a:r>
-                <a:endParaRPr lang="en-US" dirty="0">
-                  <a:latin typeface="Calibri" panose="020F0502020204030204" pitchFamily="34" charset="0"/>
-                  <a:ea typeface="Calibri" panose="020F0502020204030204" pitchFamily="34" charset="0"/>
-                  <a:cs typeface="Times New Roman" panose="02020603050405020304" pitchFamily="18" charset="0"/>
-                </a:endParaRPr>
-              </a:p>
-              <a:p>
-                <a:r>
-                  <a:rPr lang="en-US" dirty="0">
-                    <a:latin typeface="Calibri" panose="020F0502020204030204" pitchFamily="34" charset="0"/>
-                    <a:ea typeface="Calibri" panose="020F0502020204030204" pitchFamily="34" charset="0"/>
-                    <a:cs typeface="Times New Roman" panose="02020603050405020304" pitchFamily="18" charset="0"/>
-                  </a:rPr>
-                  <a:t> </a:t>
-                </a:r>
+                <a:endParaRPr lang="en-US" dirty="0"/>
               </a:p>
             </p:txBody>
           </p:sp>
@@ -7391,8 +6587,8 @@
             </p:nvSpPr>
             <p:spPr>
               <a:xfrm>
-                <a:off x="5301809" y="320212"/>
-                <a:ext cx="6096000" cy="8418908"/>
+                <a:off x="6319614" y="0"/>
+                <a:ext cx="4726553" cy="6982361"/>
               </a:xfrm>
               <a:prstGeom prst="rect">
                 <a:avLst/>
@@ -7400,7 +6596,7 @@
               <a:blipFill>
                 <a:blip r:embed="rId2"/>
                 <a:stretch>
-                  <a:fillRect t="-9940"/>
+                  <a:fillRect l="-1072" t="-12000" b="-364"/>
                 </a:stretch>
               </a:blipFill>
             </p:spPr>
